--- a/발표/5조최종최종.pptx
+++ b/발표/5조최종최종.pptx
@@ -12,17 +12,16 @@
     <p:sldId id="261" r:id="rId6"/>
     <p:sldId id="263" r:id="rId7"/>
     <p:sldId id="264" r:id="rId8"/>
-    <p:sldId id="265" r:id="rId9"/>
-    <p:sldId id="267" r:id="rId10"/>
-    <p:sldId id="266" r:id="rId11"/>
-    <p:sldId id="272" r:id="rId12"/>
-    <p:sldId id="269" r:id="rId13"/>
-    <p:sldId id="270" r:id="rId14"/>
-    <p:sldId id="271" r:id="rId15"/>
-    <p:sldId id="273" r:id="rId16"/>
-    <p:sldId id="274" r:id="rId17"/>
-    <p:sldId id="262" r:id="rId18"/>
-    <p:sldId id="275" r:id="rId19"/>
+    <p:sldId id="266" r:id="rId9"/>
+    <p:sldId id="272" r:id="rId10"/>
+    <p:sldId id="269" r:id="rId11"/>
+    <p:sldId id="270" r:id="rId12"/>
+    <p:sldId id="271" r:id="rId13"/>
+    <p:sldId id="273" r:id="rId14"/>
+    <p:sldId id="274" r:id="rId15"/>
+    <p:sldId id="267" r:id="rId16"/>
+    <p:sldId id="262" r:id="rId17"/>
+    <p:sldId id="275" r:id="rId18"/>
   </p:sldIdLst>
   <p:sldSz cx="12192000" cy="6858000"/>
   <p:notesSz cx="6858000" cy="9144000"/>
@@ -132,7 +131,7 @@
 <file path=ppt/revisionInfo.xml><?xml version="1.0" encoding="utf-8"?>
 <p1510:revInfo xmlns:a="http://schemas.openxmlformats.org/drawingml/2006/main" xmlns:r="http://schemas.openxmlformats.org/officeDocument/2006/relationships" xmlns:p1510="http://schemas.microsoft.com/office/powerpoint/2015/10/main">
   <p1510:revLst>
-    <p1510:client id="{49A0B228-0B45-4AB3-BCBD-8B9DA537225C}" v="2" dt="2025-09-25T02:30:17.857"/>
+    <p1510:client id="{B9475E6B-4324-43D6-9EA4-9C7953EC7B98}" v="11" dt="2025-09-25T05:36:53.789"/>
   </p1510:revLst>
 </p1510:revInfo>
 </file>
@@ -141,25 +140,368 @@
 <pc:chgInfo xmlns:a="http://schemas.openxmlformats.org/drawingml/2006/main" xmlns:r="http://schemas.openxmlformats.org/officeDocument/2006/relationships" xmlns:ac="http://schemas.microsoft.com/office/drawing/2013/main/command" xmlns:pc="http://schemas.microsoft.com/office/powerpoint/2013/main/command">
   <pc:docChgLst>
     <pc:chgData name="경현 이" userId="2165d968411e2a35" providerId="LiveId" clId="{333D1FBC-A04C-4B1F-A45B-62E7BFA2DEBC}"/>
-    <pc:docChg chg="modSld">
-      <pc:chgData name="경현 이" userId="2165d968411e2a35" providerId="LiveId" clId="{333D1FBC-A04C-4B1F-A45B-62E7BFA2DEBC}" dt="2025-09-25T02:30:17.857" v="5"/>
+    <pc:docChg chg="undo custSel addSld delSld modSld sldOrd">
+      <pc:chgData name="경현 이" userId="2165d968411e2a35" providerId="LiveId" clId="{333D1FBC-A04C-4B1F-A45B-62E7BFA2DEBC}" dt="2025-09-25T05:37:49.693" v="369" actId="14100"/>
       <pc:docMkLst>
         <pc:docMk/>
       </pc:docMkLst>
       <pc:sldChg chg="modSp mod">
-        <pc:chgData name="경현 이" userId="2165d968411e2a35" providerId="LiveId" clId="{333D1FBC-A04C-4B1F-A45B-62E7BFA2DEBC}" dt="2025-09-25T02:30:17.857" v="5"/>
+        <pc:chgData name="경현 이" userId="2165d968411e2a35" providerId="LiveId" clId="{333D1FBC-A04C-4B1F-A45B-62E7BFA2DEBC}" dt="2025-09-25T05:28:32.373" v="322" actId="1036"/>
         <pc:sldMkLst>
           <pc:docMk/>
-          <pc:sldMk cId="0" sldId="257"/>
+          <pc:sldMk cId="2098830706" sldId="260"/>
         </pc:sldMkLst>
         <pc:spChg chg="mod">
-          <ac:chgData name="경현 이" userId="2165d968411e2a35" providerId="LiveId" clId="{333D1FBC-A04C-4B1F-A45B-62E7BFA2DEBC}" dt="2025-09-25T02:30:17.857" v="5"/>
+          <ac:chgData name="경현 이" userId="2165d968411e2a35" providerId="LiveId" clId="{333D1FBC-A04C-4B1F-A45B-62E7BFA2DEBC}" dt="2025-09-25T05:28:32.373" v="322" actId="1036"/>
           <ac:spMkLst>
             <pc:docMk/>
-            <pc:sldMk cId="0" sldId="257"/>
-            <ac:spMk id="6" creationId="{00000000-0000-0000-0000-000000000000}"/>
+            <pc:sldMk cId="2098830706" sldId="260"/>
+            <ac:spMk id="24" creationId="{5FDE3613-F744-3387-499B-40563345A55C}"/>
           </ac:spMkLst>
         </pc:spChg>
+        <pc:spChg chg="mod">
+          <ac:chgData name="경현 이" userId="2165d968411e2a35" providerId="LiveId" clId="{333D1FBC-A04C-4B1F-A45B-62E7BFA2DEBC}" dt="2025-09-25T05:28:13.077" v="301" actId="20577"/>
+          <ac:spMkLst>
+            <pc:docMk/>
+            <pc:sldMk cId="2098830706" sldId="260"/>
+            <ac:spMk id="27" creationId="{9F9BF7FA-E191-FF1B-117E-119249EE8856}"/>
+          </ac:spMkLst>
+        </pc:spChg>
+      </pc:sldChg>
+      <pc:sldChg chg="addSp delSp modSp del mod ord">
+        <pc:chgData name="경현 이" userId="2165d968411e2a35" providerId="LiveId" clId="{333D1FBC-A04C-4B1F-A45B-62E7BFA2DEBC}" dt="2025-09-25T05:30:41.530" v="323" actId="47"/>
+        <pc:sldMkLst>
+          <pc:docMk/>
+          <pc:sldMk cId="4070671390" sldId="265"/>
+        </pc:sldMkLst>
+        <pc:spChg chg="mod">
+          <ac:chgData name="경현 이" userId="2165d968411e2a35" providerId="LiveId" clId="{333D1FBC-A04C-4B1F-A45B-62E7BFA2DEBC}" dt="2025-09-25T05:20:41.974" v="153" actId="1076"/>
+          <ac:spMkLst>
+            <pc:docMk/>
+            <pc:sldMk cId="4070671390" sldId="265"/>
+            <ac:spMk id="3" creationId="{7B515446-701B-0360-160F-FE622FCCC7E0}"/>
+          </ac:spMkLst>
+        </pc:spChg>
+        <pc:spChg chg="mod">
+          <ac:chgData name="경현 이" userId="2165d968411e2a35" providerId="LiveId" clId="{333D1FBC-A04C-4B1F-A45B-62E7BFA2DEBC}" dt="2025-09-25T05:20:38.799" v="146" actId="1035"/>
+          <ac:spMkLst>
+            <pc:docMk/>
+            <pc:sldMk cId="4070671390" sldId="265"/>
+            <ac:spMk id="7" creationId="{C25B4A11-B5E6-CA37-DCD3-CD2F6A91D9D5}"/>
+          </ac:spMkLst>
+        </pc:spChg>
+        <pc:spChg chg="add mod">
+          <ac:chgData name="경현 이" userId="2165d968411e2a35" providerId="LiveId" clId="{333D1FBC-A04C-4B1F-A45B-62E7BFA2DEBC}" dt="2025-09-25T05:26:29.896" v="249" actId="1037"/>
+          <ac:spMkLst>
+            <pc:docMk/>
+            <pc:sldMk cId="4070671390" sldId="265"/>
+            <ac:spMk id="9" creationId="{6EDC342D-9552-913E-C342-B00BD9630860}"/>
+          </ac:spMkLst>
+        </pc:spChg>
+        <pc:spChg chg="add mod">
+          <ac:chgData name="경현 이" userId="2165d968411e2a35" providerId="LiveId" clId="{333D1FBC-A04C-4B1F-A45B-62E7BFA2DEBC}" dt="2025-09-25T05:26:36.655" v="250" actId="14100"/>
+          <ac:spMkLst>
+            <pc:docMk/>
+            <pc:sldMk cId="4070671390" sldId="265"/>
+            <ac:spMk id="10" creationId="{D3345B51-DF32-5A79-965D-6CACF5C9CC56}"/>
+          </ac:spMkLst>
+        </pc:spChg>
+        <pc:spChg chg="mod">
+          <ac:chgData name="경현 이" userId="2165d968411e2a35" providerId="LiveId" clId="{333D1FBC-A04C-4B1F-A45B-62E7BFA2DEBC}" dt="2025-09-25T05:20:41.596" v="152" actId="1035"/>
+          <ac:spMkLst>
+            <pc:docMk/>
+            <pc:sldMk cId="4070671390" sldId="265"/>
+            <ac:spMk id="12" creationId="{18A09B60-BF52-BCF3-628F-AA92B77F1556}"/>
+          </ac:spMkLst>
+        </pc:spChg>
+        <pc:picChg chg="add mod">
+          <ac:chgData name="경현 이" userId="2165d968411e2a35" providerId="LiveId" clId="{333D1FBC-A04C-4B1F-A45B-62E7BFA2DEBC}" dt="2025-09-25T05:24:52.262" v="197" actId="14100"/>
+          <ac:picMkLst>
+            <pc:docMk/>
+            <pc:sldMk cId="4070671390" sldId="265"/>
+            <ac:picMk id="5" creationId="{DDC78FB0-0310-5715-EFC2-DAB3304EA9CA}"/>
+          </ac:picMkLst>
+        </pc:picChg>
+        <pc:picChg chg="add mod">
+          <ac:chgData name="경현 이" userId="2165d968411e2a35" providerId="LiveId" clId="{333D1FBC-A04C-4B1F-A45B-62E7BFA2DEBC}" dt="2025-09-25T05:24:56.038" v="199" actId="1076"/>
+          <ac:picMkLst>
+            <pc:docMk/>
+            <pc:sldMk cId="4070671390" sldId="265"/>
+            <ac:picMk id="8" creationId="{69E16D87-1BA3-B350-0A9A-E8469638130C}"/>
+          </ac:picMkLst>
+        </pc:picChg>
+        <pc:picChg chg="del">
+          <ac:chgData name="경현 이" userId="2165d968411e2a35" providerId="LiveId" clId="{333D1FBC-A04C-4B1F-A45B-62E7BFA2DEBC}" dt="2025-09-25T05:20:35.874" v="140" actId="478"/>
+          <ac:picMkLst>
+            <pc:docMk/>
+            <pc:sldMk cId="4070671390" sldId="265"/>
+            <ac:picMk id="14" creationId="{0418A10D-AFBA-CEE1-530C-B3D2661EE0CA}"/>
+          </ac:picMkLst>
+        </pc:picChg>
+      </pc:sldChg>
+      <pc:sldChg chg="addSp delSp modSp add mod">
+        <pc:chgData name="경현 이" userId="2165d968411e2a35" providerId="LiveId" clId="{333D1FBC-A04C-4B1F-A45B-62E7BFA2DEBC}" dt="2025-09-25T05:09:56.408" v="20" actId="14100"/>
+        <pc:sldMkLst>
+          <pc:docMk/>
+          <pc:sldMk cId="189841417" sldId="267"/>
+        </pc:sldMkLst>
+        <pc:picChg chg="add mod">
+          <ac:chgData name="경현 이" userId="2165d968411e2a35" providerId="LiveId" clId="{333D1FBC-A04C-4B1F-A45B-62E7BFA2DEBC}" dt="2025-09-25T05:09:56.408" v="20" actId="14100"/>
+          <ac:picMkLst>
+            <pc:docMk/>
+            <pc:sldMk cId="189841417" sldId="267"/>
+            <ac:picMk id="5" creationId="{35BB71C4-3120-4848-E8D6-BD1A7E5B45E4}"/>
+          </ac:picMkLst>
+        </pc:picChg>
+        <pc:picChg chg="del">
+          <ac:chgData name="경현 이" userId="2165d968411e2a35" providerId="LiveId" clId="{333D1FBC-A04C-4B1F-A45B-62E7BFA2DEBC}" dt="2025-09-25T05:09:08.734" v="2" actId="478"/>
+          <ac:picMkLst>
+            <pc:docMk/>
+            <pc:sldMk cId="189841417" sldId="267"/>
+            <ac:picMk id="6" creationId="{B4518E5A-69B6-F182-76DF-4E24E72BEBF7}"/>
+          </ac:picMkLst>
+        </pc:picChg>
+        <pc:picChg chg="add mod">
+          <ac:chgData name="경현 이" userId="2165d968411e2a35" providerId="LiveId" clId="{333D1FBC-A04C-4B1F-A45B-62E7BFA2DEBC}" dt="2025-09-25T05:09:50.319" v="17" actId="14100"/>
+          <ac:picMkLst>
+            <pc:docMk/>
+            <pc:sldMk cId="189841417" sldId="267"/>
+            <ac:picMk id="9" creationId="{592624DA-FB67-B87B-DA76-B0FBD7C760D4}"/>
+          </ac:picMkLst>
+        </pc:picChg>
+      </pc:sldChg>
+      <pc:sldChg chg="del">
+        <pc:chgData name="경현 이" userId="2165d968411e2a35" providerId="LiveId" clId="{333D1FBC-A04C-4B1F-A45B-62E7BFA2DEBC}" dt="2025-09-25T05:08:03.945" v="0" actId="2696"/>
+        <pc:sldMkLst>
+          <pc:docMk/>
+          <pc:sldMk cId="823197770" sldId="267"/>
+        </pc:sldMkLst>
+      </pc:sldChg>
+      <pc:sldChg chg="addSp delSp modSp mod">
+        <pc:chgData name="경현 이" userId="2165d968411e2a35" providerId="LiveId" clId="{333D1FBC-A04C-4B1F-A45B-62E7BFA2DEBC}" dt="2025-09-25T05:35:10.532" v="347" actId="14100"/>
+        <pc:sldMkLst>
+          <pc:docMk/>
+          <pc:sldMk cId="3756499384" sldId="269"/>
+        </pc:sldMkLst>
+        <pc:picChg chg="add del mod">
+          <ac:chgData name="경현 이" userId="2165d968411e2a35" providerId="LiveId" clId="{333D1FBC-A04C-4B1F-A45B-62E7BFA2DEBC}" dt="2025-09-25T05:34:28.606" v="330" actId="478"/>
+          <ac:picMkLst>
+            <pc:docMk/>
+            <pc:sldMk cId="3756499384" sldId="269"/>
+            <ac:picMk id="5" creationId="{D41C0A6A-71A1-EF4E-756D-D31213B68979}"/>
+          </ac:picMkLst>
+        </pc:picChg>
+        <pc:picChg chg="add del mod">
+          <ac:chgData name="경현 이" userId="2165d968411e2a35" providerId="LiveId" clId="{333D1FBC-A04C-4B1F-A45B-62E7BFA2DEBC}" dt="2025-09-25T05:34:28.127" v="329" actId="478"/>
+          <ac:picMkLst>
+            <pc:docMk/>
+            <pc:sldMk cId="3756499384" sldId="269"/>
+            <ac:picMk id="8" creationId="{F71202DB-3BB1-73DC-6A6F-8BEF462B6277}"/>
+          </ac:picMkLst>
+        </pc:picChg>
+        <pc:picChg chg="del">
+          <ac:chgData name="경현 이" userId="2165d968411e2a35" providerId="LiveId" clId="{333D1FBC-A04C-4B1F-A45B-62E7BFA2DEBC}" dt="2025-09-25T05:15:51.599" v="108" actId="478"/>
+          <ac:picMkLst>
+            <pc:docMk/>
+            <pc:sldMk cId="3756499384" sldId="269"/>
+            <ac:picMk id="9" creationId="{ED8D0138-8461-BBC2-CDAD-C02AF37FD496}"/>
+          </ac:picMkLst>
+        </pc:picChg>
+        <pc:picChg chg="del">
+          <ac:chgData name="경현 이" userId="2165d968411e2a35" providerId="LiveId" clId="{333D1FBC-A04C-4B1F-A45B-62E7BFA2DEBC}" dt="2025-09-25T05:15:51.917" v="109" actId="478"/>
+          <ac:picMkLst>
+            <pc:docMk/>
+            <pc:sldMk cId="3756499384" sldId="269"/>
+            <ac:picMk id="11" creationId="{D8B19705-CBA8-5415-346A-A17E5DE6650F}"/>
+          </ac:picMkLst>
+        </pc:picChg>
+        <pc:picChg chg="add mod">
+          <ac:chgData name="경현 이" userId="2165d968411e2a35" providerId="LiveId" clId="{333D1FBC-A04C-4B1F-A45B-62E7BFA2DEBC}" dt="2025-09-25T05:35:10.532" v="347" actId="14100"/>
+          <ac:picMkLst>
+            <pc:docMk/>
+            <pc:sldMk cId="3756499384" sldId="269"/>
+            <ac:picMk id="13" creationId="{985B2BD1-9E5D-1D1B-1081-BFF589AAB4A1}"/>
+          </ac:picMkLst>
+        </pc:picChg>
+        <pc:picChg chg="add mod">
+          <ac:chgData name="경현 이" userId="2165d968411e2a35" providerId="LiveId" clId="{333D1FBC-A04C-4B1F-A45B-62E7BFA2DEBC}" dt="2025-09-25T05:35:08.038" v="346" actId="14100"/>
+          <ac:picMkLst>
+            <pc:docMk/>
+            <pc:sldMk cId="3756499384" sldId="269"/>
+            <ac:picMk id="15" creationId="{5407FEC5-0C79-C4C1-3770-7C89AB6B0FBC}"/>
+          </ac:picMkLst>
+        </pc:picChg>
+      </pc:sldChg>
+      <pc:sldChg chg="addSp delSp modSp mod">
+        <pc:chgData name="경현 이" userId="2165d968411e2a35" providerId="LiveId" clId="{333D1FBC-A04C-4B1F-A45B-62E7BFA2DEBC}" dt="2025-09-25T05:37:34.068" v="368" actId="14100"/>
+        <pc:sldMkLst>
+          <pc:docMk/>
+          <pc:sldMk cId="1216164233" sldId="270"/>
+        </pc:sldMkLst>
+        <pc:picChg chg="del">
+          <ac:chgData name="경현 이" userId="2165d968411e2a35" providerId="LiveId" clId="{333D1FBC-A04C-4B1F-A45B-62E7BFA2DEBC}" dt="2025-09-25T05:36:45.379" v="348" actId="478"/>
+          <ac:picMkLst>
+            <pc:docMk/>
+            <pc:sldMk cId="1216164233" sldId="270"/>
+            <ac:picMk id="5" creationId="{C6FE8B7E-064E-64B0-6AC8-C0FCC359BAAE}"/>
+          </ac:picMkLst>
+        </pc:picChg>
+        <pc:picChg chg="add mod">
+          <ac:chgData name="경현 이" userId="2165d968411e2a35" providerId="LiveId" clId="{333D1FBC-A04C-4B1F-A45B-62E7BFA2DEBC}" dt="2025-09-25T05:37:28.325" v="366" actId="14100"/>
+          <ac:picMkLst>
+            <pc:docMk/>
+            <pc:sldMk cId="1216164233" sldId="270"/>
+            <ac:picMk id="6" creationId="{CAEAA19C-1E1B-36F6-85A6-650B5EF0CA0E}"/>
+          </ac:picMkLst>
+        </pc:picChg>
+        <pc:picChg chg="del">
+          <ac:chgData name="경현 이" userId="2165d968411e2a35" providerId="LiveId" clId="{333D1FBC-A04C-4B1F-A45B-62E7BFA2DEBC}" dt="2025-09-25T05:36:45.379" v="348" actId="478"/>
+          <ac:picMkLst>
+            <pc:docMk/>
+            <pc:sldMk cId="1216164233" sldId="270"/>
+            <ac:picMk id="8" creationId="{A06140C7-857C-AA53-3B0C-F49F965C841D}"/>
+          </ac:picMkLst>
+        </pc:picChg>
+        <pc:picChg chg="add mod">
+          <ac:chgData name="경현 이" userId="2165d968411e2a35" providerId="LiveId" clId="{333D1FBC-A04C-4B1F-A45B-62E7BFA2DEBC}" dt="2025-09-25T05:37:34.068" v="368" actId="14100"/>
+          <ac:picMkLst>
+            <pc:docMk/>
+            <pc:sldMk cId="1216164233" sldId="270"/>
+            <ac:picMk id="10" creationId="{2F5B1346-E8A4-3749-72BC-C0D13D2394C2}"/>
+          </ac:picMkLst>
+        </pc:picChg>
+      </pc:sldChg>
+      <pc:sldChg chg="addSp delSp modSp mod">
+        <pc:chgData name="경현 이" userId="2165d968411e2a35" providerId="LiveId" clId="{333D1FBC-A04C-4B1F-A45B-62E7BFA2DEBC}" dt="2025-09-25T05:14:42.894" v="101" actId="14100"/>
+        <pc:sldMkLst>
+          <pc:docMk/>
+          <pc:sldMk cId="2135226527" sldId="271"/>
+        </pc:sldMkLst>
+        <pc:picChg chg="add del">
+          <ac:chgData name="경현 이" userId="2165d968411e2a35" providerId="LiveId" clId="{333D1FBC-A04C-4B1F-A45B-62E7BFA2DEBC}" dt="2025-09-25T05:14:08.438" v="87" actId="478"/>
+          <ac:picMkLst>
+            <pc:docMk/>
+            <pc:sldMk cId="2135226527" sldId="271"/>
+            <ac:picMk id="5" creationId="{0ECE50E9-22F7-2C5C-37A1-0F3E9FEC34CC}"/>
+          </ac:picMkLst>
+        </pc:picChg>
+        <pc:picChg chg="del">
+          <ac:chgData name="경현 이" userId="2165d968411e2a35" providerId="LiveId" clId="{333D1FBC-A04C-4B1F-A45B-62E7BFA2DEBC}" dt="2025-09-25T05:14:09.123" v="88" actId="478"/>
+          <ac:picMkLst>
+            <pc:docMk/>
+            <pc:sldMk cId="2135226527" sldId="271"/>
+            <ac:picMk id="6" creationId="{B0F323F7-A8A0-3ECC-740F-682D8EE19163}"/>
+          </ac:picMkLst>
+        </pc:picChg>
+        <pc:picChg chg="add mod">
+          <ac:chgData name="경현 이" userId="2165d968411e2a35" providerId="LiveId" clId="{333D1FBC-A04C-4B1F-A45B-62E7BFA2DEBC}" dt="2025-09-25T05:14:42.894" v="101" actId="14100"/>
+          <ac:picMkLst>
+            <pc:docMk/>
+            <pc:sldMk cId="2135226527" sldId="271"/>
+            <ac:picMk id="8" creationId="{47DC0298-F406-575A-A945-72A525044B1F}"/>
+          </ac:picMkLst>
+        </pc:picChg>
+        <pc:picChg chg="add mod">
+          <ac:chgData name="경현 이" userId="2165d968411e2a35" providerId="LiveId" clId="{333D1FBC-A04C-4B1F-A45B-62E7BFA2DEBC}" dt="2025-09-25T05:14:26.214" v="95" actId="1076"/>
+          <ac:picMkLst>
+            <pc:docMk/>
+            <pc:sldMk cId="2135226527" sldId="271"/>
+            <ac:picMk id="10" creationId="{EF98C579-205C-4B6D-8E46-BAF19934D5BF}"/>
+          </ac:picMkLst>
+        </pc:picChg>
+      </pc:sldChg>
+      <pc:sldChg chg="addSp delSp modSp mod">
+        <pc:chgData name="경현 이" userId="2165d968411e2a35" providerId="LiveId" clId="{333D1FBC-A04C-4B1F-A45B-62E7BFA2DEBC}" dt="2025-09-25T05:15:00.775" v="107" actId="1037"/>
+        <pc:sldMkLst>
+          <pc:docMk/>
+          <pc:sldMk cId="3298213877" sldId="273"/>
+        </pc:sldMkLst>
+        <pc:picChg chg="del">
+          <ac:chgData name="경현 이" userId="2165d968411e2a35" providerId="LiveId" clId="{333D1FBC-A04C-4B1F-A45B-62E7BFA2DEBC}" dt="2025-09-25T05:13:03.209" v="64" actId="478"/>
+          <ac:picMkLst>
+            <pc:docMk/>
+            <pc:sldMk cId="3298213877" sldId="273"/>
+            <ac:picMk id="4" creationId="{CE910A04-10BA-05E7-5B5E-A6DA3A7BF933}"/>
+          </ac:picMkLst>
+        </pc:picChg>
+        <pc:picChg chg="add mod">
+          <ac:chgData name="경현 이" userId="2165d968411e2a35" providerId="LiveId" clId="{333D1FBC-A04C-4B1F-A45B-62E7BFA2DEBC}" dt="2025-09-25T05:15:00.379" v="106" actId="1038"/>
+          <ac:picMkLst>
+            <pc:docMk/>
+            <pc:sldMk cId="3298213877" sldId="273"/>
+            <ac:picMk id="6" creationId="{DB36877E-201F-79F8-57B2-74F8C3FEA5C7}"/>
+          </ac:picMkLst>
+        </pc:picChg>
+        <pc:picChg chg="del">
+          <ac:chgData name="경현 이" userId="2165d968411e2a35" providerId="LiveId" clId="{333D1FBC-A04C-4B1F-A45B-62E7BFA2DEBC}" dt="2025-09-25T05:12:38.880" v="63" actId="478"/>
+          <ac:picMkLst>
+            <pc:docMk/>
+            <pc:sldMk cId="3298213877" sldId="273"/>
+            <ac:picMk id="8" creationId="{FE29DE47-9616-88DC-F32B-E9096A86AED2}"/>
+          </ac:picMkLst>
+        </pc:picChg>
+        <pc:picChg chg="add mod">
+          <ac:chgData name="경현 이" userId="2165d968411e2a35" providerId="LiveId" clId="{333D1FBC-A04C-4B1F-A45B-62E7BFA2DEBC}" dt="2025-09-25T05:15:00.775" v="107" actId="1037"/>
+          <ac:picMkLst>
+            <pc:docMk/>
+            <pc:sldMk cId="3298213877" sldId="273"/>
+            <ac:picMk id="10" creationId="{EB7C2E28-FCD0-4AA4-EF0C-7FF0B8535D66}"/>
+          </ac:picMkLst>
+        </pc:picChg>
+      </pc:sldChg>
+      <pc:sldChg chg="addSp delSp modSp mod">
+        <pc:chgData name="경현 이" userId="2165d968411e2a35" providerId="LiveId" clId="{333D1FBC-A04C-4B1F-A45B-62E7BFA2DEBC}" dt="2025-09-25T05:37:49.693" v="369" actId="14100"/>
+        <pc:sldMkLst>
+          <pc:docMk/>
+          <pc:sldMk cId="3903371550" sldId="274"/>
+        </pc:sldMkLst>
+        <pc:spChg chg="mod">
+          <ac:chgData name="경현 이" userId="2165d968411e2a35" providerId="LiveId" clId="{333D1FBC-A04C-4B1F-A45B-62E7BFA2DEBC}" dt="2025-09-25T05:11:39.485" v="41" actId="1076"/>
+          <ac:spMkLst>
+            <pc:docMk/>
+            <pc:sldMk cId="3903371550" sldId="274"/>
+            <ac:spMk id="3" creationId="{3066AB44-7C52-69B7-268B-F3E6BD0525AE}"/>
+          </ac:spMkLst>
+        </pc:spChg>
+        <pc:picChg chg="add del mod">
+          <ac:chgData name="경현 이" userId="2165d968411e2a35" providerId="LiveId" clId="{333D1FBC-A04C-4B1F-A45B-62E7BFA2DEBC}" dt="2025-09-25T05:11:00.938" v="38" actId="478"/>
+          <ac:picMkLst>
+            <pc:docMk/>
+            <pc:sldMk cId="3903371550" sldId="274"/>
+            <ac:picMk id="5" creationId="{D1F22EDB-2135-C03D-CC8B-256EE73D58CA}"/>
+          </ac:picMkLst>
+        </pc:picChg>
+        <pc:picChg chg="add mod">
+          <ac:chgData name="경현 이" userId="2165d968411e2a35" providerId="LiveId" clId="{333D1FBC-A04C-4B1F-A45B-62E7BFA2DEBC}" dt="2025-09-25T05:12:29.502" v="62" actId="1076"/>
+          <ac:picMkLst>
+            <pc:docMk/>
+            <pc:sldMk cId="3903371550" sldId="274"/>
+            <ac:picMk id="8" creationId="{BE003F7D-8F22-AE04-4243-11E6F31DB055}"/>
+          </ac:picMkLst>
+        </pc:picChg>
+        <pc:picChg chg="del">
+          <ac:chgData name="경현 이" userId="2165d968411e2a35" providerId="LiveId" clId="{333D1FBC-A04C-4B1F-A45B-62E7BFA2DEBC}" dt="2025-09-25T05:10:18.101" v="21" actId="478"/>
+          <ac:picMkLst>
+            <pc:docMk/>
+            <pc:sldMk cId="3903371550" sldId="274"/>
+            <ac:picMk id="10" creationId="{3CCF15F0-C41D-0346-E6AD-D01E177A9B63}"/>
+          </ac:picMkLst>
+        </pc:picChg>
+        <pc:picChg chg="add mod">
+          <ac:chgData name="경현 이" userId="2165d968411e2a35" providerId="LiveId" clId="{333D1FBC-A04C-4B1F-A45B-62E7BFA2DEBC}" dt="2025-09-25T05:37:49.693" v="369" actId="14100"/>
+          <ac:picMkLst>
+            <pc:docMk/>
+            <pc:sldMk cId="3903371550" sldId="274"/>
+            <ac:picMk id="11" creationId="{B174E58F-85C6-F636-8C64-EC676A4773FC}"/>
+          </ac:picMkLst>
+        </pc:picChg>
+      </pc:sldChg>
+      <pc:sldChg chg="new del">
+        <pc:chgData name="경현 이" userId="2165d968411e2a35" providerId="LiveId" clId="{333D1FBC-A04C-4B1F-A45B-62E7BFA2DEBC}" dt="2025-09-25T05:32:24.771" v="325" actId="47"/>
+        <pc:sldMkLst>
+          <pc:docMk/>
+          <pc:sldMk cId="168922704" sldId="276"/>
+        </pc:sldMkLst>
       </pc:sldChg>
     </pc:docChg>
   </pc:docChgLst>
@@ -3785,730 +4127,6 @@
         <p:cNvPr id="1" name="">
           <a:extLst>
             <a:ext uri="{FF2B5EF4-FFF2-40B4-BE49-F238E27FC236}">
-              <a16:creationId xmlns:a16="http://schemas.microsoft.com/office/drawing/2014/main" id="{8EFCEC91-FE93-75AF-1F0B-D319CED36EC2}"/>
-            </a:ext>
-          </a:extLst>
-        </p:cNvPr>
-        <p:cNvGrpSpPr/>
-        <p:nvPr/>
-      </p:nvGrpSpPr>
-      <p:grpSpPr>
-        <a:xfrm>
-          <a:off x="0" y="0"/>
-          <a:ext cx="0" cy="0"/>
-          <a:chOff x="0" y="0"/>
-          <a:chExt cx="0" cy="0"/>
-        </a:xfrm>
-      </p:grpSpPr>
-      <p:sp>
-        <p:nvSpPr>
-          <p:cNvPr id="2" name="Rectangle 1">
-            <a:extLst>
-              <a:ext uri="{FF2B5EF4-FFF2-40B4-BE49-F238E27FC236}">
-                <a16:creationId xmlns:a16="http://schemas.microsoft.com/office/drawing/2014/main" id="{D5243EC0-EF88-DA7E-FBBD-764B6487C726}"/>
-              </a:ext>
-            </a:extLst>
-          </p:cNvPr>
-          <p:cNvSpPr/>
-          <p:nvPr/>
-        </p:nvSpPr>
-        <p:spPr>
-          <a:xfrm>
-            <a:off x="0" y="3"/>
-            <a:ext cx="12192000" cy="3429000"/>
-          </a:xfrm>
-          <a:prstGeom prst="rect">
-            <a:avLst/>
-          </a:prstGeom>
-          <a:solidFill>
-            <a:schemeClr val="accent3">
-              <a:lumMod val="20000"/>
-              <a:lumOff val="80000"/>
-            </a:schemeClr>
-          </a:solidFill>
-          <a:ln>
-            <a:noFill/>
-          </a:ln>
-        </p:spPr>
-        <p:style>
-          <a:lnRef idx="1">
-            <a:schemeClr val="accent1"/>
-          </a:lnRef>
-          <a:fillRef idx="3">
-            <a:schemeClr val="accent1"/>
-          </a:fillRef>
-          <a:effectRef idx="2">
-            <a:schemeClr val="accent1"/>
-          </a:effectRef>
-          <a:fontRef idx="minor">
-            <a:schemeClr val="lt1"/>
-          </a:fontRef>
-        </p:style>
-        <p:txBody>
-          <a:bodyPr rtlCol="0" anchor="ctr"/>
-          <a:lstStyle/>
-          <a:p>
-            <a:pPr algn="ctr"/>
-            <a:endParaRPr/>
-          </a:p>
-        </p:txBody>
-      </p:sp>
-      <p:sp>
-        <p:nvSpPr>
-          <p:cNvPr id="3" name="Rectangle 2">
-            <a:extLst>
-              <a:ext uri="{FF2B5EF4-FFF2-40B4-BE49-F238E27FC236}">
-                <a16:creationId xmlns:a16="http://schemas.microsoft.com/office/drawing/2014/main" id="{6BB743FE-2045-B03A-C4BE-FBD22ED0038C}"/>
-              </a:ext>
-            </a:extLst>
-          </p:cNvPr>
-          <p:cNvSpPr/>
-          <p:nvPr/>
-        </p:nvSpPr>
-        <p:spPr>
-          <a:xfrm>
-            <a:off x="0" y="3419173"/>
-            <a:ext cx="12192000" cy="3429000"/>
-          </a:xfrm>
-          <a:prstGeom prst="rect">
-            <a:avLst/>
-          </a:prstGeom>
-          <a:solidFill>
-            <a:srgbClr val="F1F8E9"/>
-          </a:solidFill>
-          <a:ln>
-            <a:noFill/>
-          </a:ln>
-        </p:spPr>
-        <p:style>
-          <a:lnRef idx="1">
-            <a:schemeClr val="accent1"/>
-          </a:lnRef>
-          <a:fillRef idx="3">
-            <a:schemeClr val="accent1"/>
-          </a:fillRef>
-          <a:effectRef idx="2">
-            <a:schemeClr val="accent1"/>
-          </a:effectRef>
-          <a:fontRef idx="minor">
-            <a:schemeClr val="lt1"/>
-          </a:fontRef>
-        </p:style>
-        <p:txBody>
-          <a:bodyPr rtlCol="0" anchor="ctr"/>
-          <a:lstStyle/>
-          <a:p>
-            <a:pPr algn="ctr"/>
-            <a:r>
-              <a:rPr lang="en-US" dirty="0"/>
-              <a:t>2</a:t>
-            </a:r>
-            <a:endParaRPr dirty="0"/>
-          </a:p>
-        </p:txBody>
-      </p:sp>
-      <p:sp>
-        <p:nvSpPr>
-          <p:cNvPr id="7" name="TextBox 6">
-            <a:extLst>
-              <a:ext uri="{FF2B5EF4-FFF2-40B4-BE49-F238E27FC236}">
-                <a16:creationId xmlns:a16="http://schemas.microsoft.com/office/drawing/2014/main" id="{4A47CDF6-7D66-6264-F46F-01C84B63AFE3}"/>
-              </a:ext>
-            </a:extLst>
-          </p:cNvPr>
-          <p:cNvSpPr txBox="1"/>
-          <p:nvPr/>
-        </p:nvSpPr>
-        <p:spPr>
-          <a:xfrm>
-            <a:off x="2756808" y="12490"/>
-            <a:ext cx="6183992" cy="707886"/>
-          </a:xfrm>
-          <a:prstGeom prst="rect">
-            <a:avLst/>
-          </a:prstGeom>
-          <a:noFill/>
-        </p:spPr>
-        <p:txBody>
-          <a:bodyPr wrap="square">
-            <a:spAutoFit/>
-          </a:bodyPr>
-          <a:lstStyle/>
-          <a:p>
-            <a:pPr algn="ctr"/>
-            <a:r>
-              <a:rPr lang="ko-KR" altLang="en-US" sz="4000" b="1" dirty="0">
-                <a:latin typeface="나눔고딕" panose="020D0604000000000000" pitchFamily="50" charset="-127"/>
-                <a:ea typeface="나눔고딕" panose="020D0604000000000000" pitchFamily="50" charset="-127"/>
-              </a:rPr>
-              <a:t>결과물 시연</a:t>
-            </a:r>
-            <a:endParaRPr sz="4000" b="1" dirty="0">
-              <a:latin typeface="나눔고딕" panose="020D0604000000000000" pitchFamily="50" charset="-127"/>
-              <a:ea typeface="나눔고딕" panose="020D0604000000000000" pitchFamily="50" charset="-127"/>
-            </a:endParaRPr>
-          </a:p>
-        </p:txBody>
-      </p:sp>
-      <p:sp>
-        <p:nvSpPr>
-          <p:cNvPr id="12" name="TextBox 11">
-            <a:extLst>
-              <a:ext uri="{FF2B5EF4-FFF2-40B4-BE49-F238E27FC236}">
-                <a16:creationId xmlns:a16="http://schemas.microsoft.com/office/drawing/2014/main" id="{3F234F53-5F40-FD1B-6233-92A9920BD339}"/>
-              </a:ext>
-            </a:extLst>
-          </p:cNvPr>
-          <p:cNvSpPr txBox="1"/>
-          <p:nvPr/>
-        </p:nvSpPr>
-        <p:spPr>
-          <a:xfrm>
-            <a:off x="3969487" y="726451"/>
-            <a:ext cx="3775410" cy="523220"/>
-          </a:xfrm>
-          <a:prstGeom prst="rect">
-            <a:avLst/>
-          </a:prstGeom>
-          <a:noFill/>
-        </p:spPr>
-        <p:txBody>
-          <a:bodyPr wrap="square">
-            <a:spAutoFit/>
-          </a:bodyPr>
-          <a:lstStyle/>
-          <a:p>
-            <a:pPr algn="ctr"/>
-            <a:r>
-              <a:rPr lang="ko-KR" altLang="en-US" sz="2800" b="1" dirty="0">
-                <a:latin typeface="나눔고딕" panose="020D0604000000000000" pitchFamily="50" charset="-127"/>
-                <a:ea typeface="나눔고딕" panose="020D0604000000000000" pitchFamily="50" charset="-127"/>
-              </a:rPr>
-              <a:t>테이블 명세서</a:t>
-            </a:r>
-            <a:endParaRPr sz="2800" b="1" dirty="0">
-              <a:latin typeface="나눔고딕" panose="020D0604000000000000" pitchFamily="50" charset="-127"/>
-              <a:ea typeface="나눔고딕" panose="020D0604000000000000" pitchFamily="50" charset="-127"/>
-            </a:endParaRPr>
-          </a:p>
-        </p:txBody>
-      </p:sp>
-      <p:pic>
-        <p:nvPicPr>
-          <p:cNvPr id="8" name="그림 7" descr="텍스트, 번호, 스크린샷, 라인이(가) 표시된 사진&#10;&#10;AI 생성 콘텐츠는 정확하지 않을 수 있습니다.">
-            <a:extLst>
-              <a:ext uri="{FF2B5EF4-FFF2-40B4-BE49-F238E27FC236}">
-                <a16:creationId xmlns:a16="http://schemas.microsoft.com/office/drawing/2014/main" id="{40CF2E62-A541-3CEE-533E-7DE242FF57BD}"/>
-              </a:ext>
-            </a:extLst>
-          </p:cNvPr>
-          <p:cNvPicPr>
-            <a:picLocks noChangeAspect="1"/>
-          </p:cNvPicPr>
-          <p:nvPr/>
-        </p:nvPicPr>
-        <p:blipFill>
-          <a:blip r:embed="rId2">
-            <a:extLst>
-              <a:ext uri="{28A0092B-C50C-407E-A947-70E740481C1C}">
-                <a14:useLocalDpi xmlns:a14="http://schemas.microsoft.com/office/drawing/2010/main" val="0"/>
-              </a:ext>
-            </a:extLst>
-          </a:blip>
-          <a:stretch>
-            <a:fillRect/>
-          </a:stretch>
-        </p:blipFill>
-        <p:spPr>
-          <a:xfrm>
-            <a:off x="622998" y="4332886"/>
-            <a:ext cx="10917476" cy="2480228"/>
-          </a:xfrm>
-          <a:prstGeom prst="rect">
-            <a:avLst/>
-          </a:prstGeom>
-        </p:spPr>
-      </p:pic>
-      <p:pic>
-        <p:nvPicPr>
-          <p:cNvPr id="6" name="그림 5" descr="텍스트, 스크린샷, 번호, 폰트이(가) 표시된 사진&#10;&#10;AI 생성 콘텐츠는 정확하지 않을 수 있습니다.">
-            <a:extLst>
-              <a:ext uri="{FF2B5EF4-FFF2-40B4-BE49-F238E27FC236}">
-                <a16:creationId xmlns:a16="http://schemas.microsoft.com/office/drawing/2014/main" id="{9EDE4561-1CD5-433C-AF24-E49520678285}"/>
-              </a:ext>
-            </a:extLst>
-          </p:cNvPr>
-          <p:cNvPicPr>
-            <a:picLocks noChangeAspect="1"/>
-          </p:cNvPicPr>
-          <p:nvPr/>
-        </p:nvPicPr>
-        <p:blipFill>
-          <a:blip r:embed="rId3">
-            <a:extLst>
-              <a:ext uri="{28A0092B-C50C-407E-A947-70E740481C1C}">
-                <a14:useLocalDpi xmlns:a14="http://schemas.microsoft.com/office/drawing/2010/main" val="0"/>
-              </a:ext>
-            </a:extLst>
-          </a:blip>
-          <a:stretch>
-            <a:fillRect/>
-          </a:stretch>
-        </p:blipFill>
-        <p:spPr>
-          <a:xfrm>
-            <a:off x="622997" y="1249670"/>
-            <a:ext cx="10917475" cy="3083215"/>
-          </a:xfrm>
-          <a:prstGeom prst="rect">
-            <a:avLst/>
-          </a:prstGeom>
-        </p:spPr>
-      </p:pic>
-    </p:spTree>
-    <p:extLst>
-      <p:ext uri="{BB962C8B-B14F-4D97-AF65-F5344CB8AC3E}">
-        <p14:creationId xmlns:p14="http://schemas.microsoft.com/office/powerpoint/2010/main" val="3095106362"/>
-      </p:ext>
-    </p:extLst>
-  </p:cSld>
-  <p:clrMapOvr>
-    <a:masterClrMapping/>
-  </p:clrMapOvr>
-</p:sld>
-</file>
-
-<file path=ppt/slides/slide11.xml><?xml version="1.0" encoding="utf-8"?>
-<p:sld xmlns:a="http://schemas.openxmlformats.org/drawingml/2006/main" xmlns:r="http://schemas.openxmlformats.org/officeDocument/2006/relationships" xmlns:p="http://schemas.openxmlformats.org/presentationml/2006/main">
-  <p:cSld>
-    <p:spTree>
-      <p:nvGrpSpPr>
-        <p:cNvPr id="1" name="">
-          <a:extLst>
-            <a:ext uri="{FF2B5EF4-FFF2-40B4-BE49-F238E27FC236}">
-              <a16:creationId xmlns:a16="http://schemas.microsoft.com/office/drawing/2014/main" id="{B6249CBB-0186-19F7-402D-48CCBA94C1F4}"/>
-            </a:ext>
-          </a:extLst>
-        </p:cNvPr>
-        <p:cNvGrpSpPr/>
-        <p:nvPr/>
-      </p:nvGrpSpPr>
-      <p:grpSpPr>
-        <a:xfrm>
-          <a:off x="0" y="0"/>
-          <a:ext cx="0" cy="0"/>
-          <a:chOff x="0" y="0"/>
-          <a:chExt cx="0" cy="0"/>
-        </a:xfrm>
-      </p:grpSpPr>
-      <p:sp>
-        <p:nvSpPr>
-          <p:cNvPr id="2" name="Rectangle 1">
-            <a:extLst>
-              <a:ext uri="{FF2B5EF4-FFF2-40B4-BE49-F238E27FC236}">
-                <a16:creationId xmlns:a16="http://schemas.microsoft.com/office/drawing/2014/main" id="{03104AEA-1226-1820-04E1-D1D77050CC62}"/>
-              </a:ext>
-            </a:extLst>
-          </p:cNvPr>
-          <p:cNvSpPr/>
-          <p:nvPr/>
-        </p:nvSpPr>
-        <p:spPr>
-          <a:xfrm>
-            <a:off x="0" y="3"/>
-            <a:ext cx="12192000" cy="3429000"/>
-          </a:xfrm>
-          <a:prstGeom prst="rect">
-            <a:avLst/>
-          </a:prstGeom>
-          <a:solidFill>
-            <a:schemeClr val="accent3">
-              <a:lumMod val="20000"/>
-              <a:lumOff val="80000"/>
-            </a:schemeClr>
-          </a:solidFill>
-          <a:ln>
-            <a:noFill/>
-          </a:ln>
-        </p:spPr>
-        <p:style>
-          <a:lnRef idx="1">
-            <a:schemeClr val="accent1"/>
-          </a:lnRef>
-          <a:fillRef idx="3">
-            <a:schemeClr val="accent1"/>
-          </a:fillRef>
-          <a:effectRef idx="2">
-            <a:schemeClr val="accent1"/>
-          </a:effectRef>
-          <a:fontRef idx="minor">
-            <a:schemeClr val="lt1"/>
-          </a:fontRef>
-        </p:style>
-        <p:txBody>
-          <a:bodyPr rtlCol="0" anchor="ctr"/>
-          <a:lstStyle/>
-          <a:p>
-            <a:pPr algn="ctr"/>
-            <a:endParaRPr/>
-          </a:p>
-        </p:txBody>
-      </p:sp>
-      <p:sp>
-        <p:nvSpPr>
-          <p:cNvPr id="3" name="Rectangle 2">
-            <a:extLst>
-              <a:ext uri="{FF2B5EF4-FFF2-40B4-BE49-F238E27FC236}">
-                <a16:creationId xmlns:a16="http://schemas.microsoft.com/office/drawing/2014/main" id="{B31B5191-0782-2ED5-8B73-7CC38AE225A7}"/>
-              </a:ext>
-            </a:extLst>
-          </p:cNvPr>
-          <p:cNvSpPr/>
-          <p:nvPr/>
-        </p:nvSpPr>
-        <p:spPr>
-          <a:xfrm>
-            <a:off x="80388" y="3419173"/>
-            <a:ext cx="12111612" cy="3429000"/>
-          </a:xfrm>
-          <a:prstGeom prst="rect">
-            <a:avLst/>
-          </a:prstGeom>
-          <a:solidFill>
-            <a:srgbClr val="F1F8E9"/>
-          </a:solidFill>
-          <a:ln>
-            <a:noFill/>
-          </a:ln>
-        </p:spPr>
-        <p:style>
-          <a:lnRef idx="1">
-            <a:schemeClr val="accent1"/>
-          </a:lnRef>
-          <a:fillRef idx="3">
-            <a:schemeClr val="accent1"/>
-          </a:fillRef>
-          <a:effectRef idx="2">
-            <a:schemeClr val="accent1"/>
-          </a:effectRef>
-          <a:fontRef idx="minor">
-            <a:schemeClr val="lt1"/>
-          </a:fontRef>
-        </p:style>
-        <p:txBody>
-          <a:bodyPr rtlCol="0" anchor="ctr"/>
-          <a:lstStyle/>
-          <a:p>
-            <a:pPr algn="ctr"/>
-            <a:r>
-              <a:rPr lang="en-US" dirty="0"/>
-              <a:t>2</a:t>
-            </a:r>
-            <a:endParaRPr dirty="0"/>
-          </a:p>
-        </p:txBody>
-      </p:sp>
-      <p:sp>
-        <p:nvSpPr>
-          <p:cNvPr id="7" name="TextBox 6">
-            <a:extLst>
-              <a:ext uri="{FF2B5EF4-FFF2-40B4-BE49-F238E27FC236}">
-                <a16:creationId xmlns:a16="http://schemas.microsoft.com/office/drawing/2014/main" id="{2B6B2562-D80A-941F-81E9-FE18C830371D}"/>
-              </a:ext>
-            </a:extLst>
-          </p:cNvPr>
-          <p:cNvSpPr txBox="1"/>
-          <p:nvPr/>
-        </p:nvSpPr>
-        <p:spPr>
-          <a:xfrm>
-            <a:off x="2756808" y="233549"/>
-            <a:ext cx="6183992" cy="707886"/>
-          </a:xfrm>
-          <a:prstGeom prst="rect">
-            <a:avLst/>
-          </a:prstGeom>
-          <a:noFill/>
-        </p:spPr>
-        <p:txBody>
-          <a:bodyPr wrap="square">
-            <a:spAutoFit/>
-          </a:bodyPr>
-          <a:lstStyle/>
-          <a:p>
-            <a:pPr algn="ctr"/>
-            <a:r>
-              <a:rPr lang="ko-KR" altLang="en-US" sz="4000" b="1" dirty="0"/>
-              <a:t>결과물 시연</a:t>
-            </a:r>
-            <a:endParaRPr sz="4000" b="1" dirty="0"/>
-          </a:p>
-        </p:txBody>
-      </p:sp>
-      <p:sp>
-        <p:nvSpPr>
-          <p:cNvPr id="12" name="TextBox 11">
-            <a:extLst>
-              <a:ext uri="{FF2B5EF4-FFF2-40B4-BE49-F238E27FC236}">
-                <a16:creationId xmlns:a16="http://schemas.microsoft.com/office/drawing/2014/main" id="{2D304589-9263-5175-E55D-F47507F77A7F}"/>
-              </a:ext>
-            </a:extLst>
-          </p:cNvPr>
-          <p:cNvSpPr txBox="1"/>
-          <p:nvPr/>
-        </p:nvSpPr>
-        <p:spPr>
-          <a:xfrm>
-            <a:off x="3969487" y="1088187"/>
-            <a:ext cx="3775410" cy="400110"/>
-          </a:xfrm>
-          <a:prstGeom prst="rect">
-            <a:avLst/>
-          </a:prstGeom>
-          <a:noFill/>
-        </p:spPr>
-        <p:txBody>
-          <a:bodyPr wrap="square">
-            <a:spAutoFit/>
-          </a:bodyPr>
-          <a:lstStyle/>
-          <a:p>
-            <a:pPr algn="ctr"/>
-            <a:r>
-              <a:rPr lang="en-US" sz="2000" b="1" dirty="0"/>
-              <a:t>MYSQL(Data)</a:t>
-            </a:r>
-            <a:endParaRPr sz="2000" b="1" dirty="0"/>
-          </a:p>
-        </p:txBody>
-      </p:sp>
-      <p:pic>
-        <p:nvPicPr>
-          <p:cNvPr id="5" name="그림 4" descr="텍스트, 스크린샷, 소프트웨어, 디스플레이이(가) 표시된 사진&#10;&#10;AI 생성 콘텐츠는 정확하지 않을 수 있습니다.">
-            <a:extLst>
-              <a:ext uri="{FF2B5EF4-FFF2-40B4-BE49-F238E27FC236}">
-                <a16:creationId xmlns:a16="http://schemas.microsoft.com/office/drawing/2014/main" id="{1F405ADD-1757-F289-5E31-7016D33E9F02}"/>
-              </a:ext>
-            </a:extLst>
-          </p:cNvPr>
-          <p:cNvPicPr>
-            <a:picLocks noChangeAspect="1"/>
-          </p:cNvPicPr>
-          <p:nvPr/>
-        </p:nvPicPr>
-        <p:blipFill>
-          <a:blip r:embed="rId2"/>
-          <a:stretch>
-            <a:fillRect/>
-          </a:stretch>
-        </p:blipFill>
-        <p:spPr>
-          <a:xfrm>
-            <a:off x="237811" y="1202363"/>
-            <a:ext cx="4386640" cy="3259340"/>
-          </a:xfrm>
-          <a:prstGeom prst="rect">
-            <a:avLst/>
-          </a:prstGeom>
-        </p:spPr>
-      </p:pic>
-      <p:pic>
-        <p:nvPicPr>
-          <p:cNvPr id="10" name="그림 9" descr="텍스트, 스크린샷, 소프트웨어, 컴퓨터 아이콘이(가) 표시된 사진&#10;&#10;AI 생성 콘텐츠는 정확하지 않을 수 있습니다.">
-            <a:extLst>
-              <a:ext uri="{FF2B5EF4-FFF2-40B4-BE49-F238E27FC236}">
-                <a16:creationId xmlns:a16="http://schemas.microsoft.com/office/drawing/2014/main" id="{F4C51597-A82B-2D0D-C17C-E69D959C24C8}"/>
-              </a:ext>
-            </a:extLst>
-          </p:cNvPr>
-          <p:cNvPicPr>
-            <a:picLocks noChangeAspect="1"/>
-          </p:cNvPicPr>
-          <p:nvPr/>
-        </p:nvPicPr>
-        <p:blipFill>
-          <a:blip r:embed="rId3"/>
-          <a:stretch>
-            <a:fillRect/>
-          </a:stretch>
-        </p:blipFill>
-        <p:spPr>
-          <a:xfrm>
-            <a:off x="4092119" y="2690658"/>
-            <a:ext cx="4433929" cy="3463868"/>
-          </a:xfrm>
-          <a:prstGeom prst="rect">
-            <a:avLst/>
-          </a:prstGeom>
-        </p:spPr>
-      </p:pic>
-      <p:pic>
-        <p:nvPicPr>
-          <p:cNvPr id="8" name="그림 7" descr="텍스트, 스크린샷, 소프트웨어, 운영 체제이(가) 표시된 사진&#10;&#10;AI 생성 콘텐츠는 정확하지 않을 수 있습니다.">
-            <a:extLst>
-              <a:ext uri="{FF2B5EF4-FFF2-40B4-BE49-F238E27FC236}">
-                <a16:creationId xmlns:a16="http://schemas.microsoft.com/office/drawing/2014/main" id="{E2306B53-F33A-FBF2-C08D-B64EB19FB175}"/>
-              </a:ext>
-            </a:extLst>
-          </p:cNvPr>
-          <p:cNvPicPr>
-            <a:picLocks noChangeAspect="1"/>
-          </p:cNvPicPr>
-          <p:nvPr/>
-        </p:nvPicPr>
-        <p:blipFill>
-          <a:blip r:embed="rId4"/>
-          <a:stretch>
-            <a:fillRect/>
-          </a:stretch>
-        </p:blipFill>
-        <p:spPr>
-          <a:xfrm>
-            <a:off x="6812282" y="943813"/>
-            <a:ext cx="4944346" cy="3593640"/>
-          </a:xfrm>
-          <a:prstGeom prst="rect">
-            <a:avLst/>
-          </a:prstGeom>
-        </p:spPr>
-      </p:pic>
-      <p:sp>
-        <p:nvSpPr>
-          <p:cNvPr id="11" name="TextBox 10">
-            <a:extLst>
-              <a:ext uri="{FF2B5EF4-FFF2-40B4-BE49-F238E27FC236}">
-                <a16:creationId xmlns:a16="http://schemas.microsoft.com/office/drawing/2014/main" id="{20EFC4E9-D825-257A-38F5-1879952BD4CB}"/>
-              </a:ext>
-            </a:extLst>
-          </p:cNvPr>
-          <p:cNvSpPr txBox="1"/>
-          <p:nvPr/>
-        </p:nvSpPr>
-        <p:spPr>
-          <a:xfrm>
-            <a:off x="7915965" y="4532793"/>
-            <a:ext cx="2604231" cy="523220"/>
-          </a:xfrm>
-          <a:prstGeom prst="rect">
-            <a:avLst/>
-          </a:prstGeom>
-          <a:noFill/>
-        </p:spPr>
-        <p:txBody>
-          <a:bodyPr wrap="square">
-            <a:spAutoFit/>
-          </a:bodyPr>
-          <a:lstStyle/>
-          <a:p>
-            <a:r>
-              <a:rPr lang="en-US" sz="2800" b="1" dirty="0"/>
-              <a:t>Query </a:t>
-            </a:r>
-            <a:r>
-              <a:rPr lang="ko-KR" altLang="en-US" sz="2800" b="1" dirty="0"/>
-              <a:t>작성</a:t>
-            </a:r>
-            <a:endParaRPr sz="2800" b="1" dirty="0"/>
-          </a:p>
-        </p:txBody>
-      </p:sp>
-      <p:sp>
-        <p:nvSpPr>
-          <p:cNvPr id="13" name="TextBox 12">
-            <a:extLst>
-              <a:ext uri="{FF2B5EF4-FFF2-40B4-BE49-F238E27FC236}">
-                <a16:creationId xmlns:a16="http://schemas.microsoft.com/office/drawing/2014/main" id="{E902553B-769B-702F-1278-58EA57789414}"/>
-              </a:ext>
-            </a:extLst>
-          </p:cNvPr>
-          <p:cNvSpPr txBox="1"/>
-          <p:nvPr/>
-        </p:nvSpPr>
-        <p:spPr>
-          <a:xfrm>
-            <a:off x="1747082" y="4748404"/>
-            <a:ext cx="2604231" cy="523220"/>
-          </a:xfrm>
-          <a:prstGeom prst="rect">
-            <a:avLst/>
-          </a:prstGeom>
-          <a:noFill/>
-        </p:spPr>
-        <p:txBody>
-          <a:bodyPr wrap="square">
-            <a:spAutoFit/>
-          </a:bodyPr>
-          <a:lstStyle/>
-          <a:p>
-            <a:r>
-              <a:rPr lang="en-US" sz="2800" b="1" dirty="0"/>
-              <a:t>ERD </a:t>
-            </a:r>
-            <a:r>
-              <a:rPr lang="ko-KR" altLang="en-US" sz="2800" b="1" dirty="0"/>
-              <a:t>생성</a:t>
-            </a:r>
-            <a:endParaRPr sz="2800" b="1" dirty="0"/>
-          </a:p>
-        </p:txBody>
-      </p:sp>
-      <p:sp>
-        <p:nvSpPr>
-          <p:cNvPr id="15" name="TextBox 14">
-            <a:extLst>
-              <a:ext uri="{FF2B5EF4-FFF2-40B4-BE49-F238E27FC236}">
-                <a16:creationId xmlns:a16="http://schemas.microsoft.com/office/drawing/2014/main" id="{8D78F307-D488-C2D8-B1BE-B9F3CD3DD99A}"/>
-              </a:ext>
-            </a:extLst>
-          </p:cNvPr>
-          <p:cNvSpPr txBox="1"/>
-          <p:nvPr/>
-        </p:nvSpPr>
-        <p:spPr>
-          <a:xfrm>
-            <a:off x="4793884" y="6184624"/>
-            <a:ext cx="2604231" cy="523220"/>
-          </a:xfrm>
-          <a:prstGeom prst="rect">
-            <a:avLst/>
-          </a:prstGeom>
-          <a:noFill/>
-        </p:spPr>
-        <p:txBody>
-          <a:bodyPr wrap="square">
-            <a:spAutoFit/>
-          </a:bodyPr>
-          <a:lstStyle/>
-          <a:p>
-            <a:r>
-              <a:rPr lang="ko-KR" altLang="en-US" sz="2800" b="1" dirty="0"/>
-              <a:t>테이블생성</a:t>
-            </a:r>
-            <a:endParaRPr sz="2800" b="1" dirty="0"/>
-          </a:p>
-        </p:txBody>
-      </p:sp>
-    </p:spTree>
-    <p:extLst>
-      <p:ext uri="{BB962C8B-B14F-4D97-AF65-F5344CB8AC3E}">
-        <p14:creationId xmlns:p14="http://schemas.microsoft.com/office/powerpoint/2010/main" val="2052633863"/>
-      </p:ext>
-    </p:extLst>
-  </p:cSld>
-  <p:clrMapOvr>
-    <a:masterClrMapping/>
-  </p:clrMapOvr>
-</p:sld>
-</file>
-
-<file path=ppt/slides/slide12.xml><?xml version="1.0" encoding="utf-8"?>
-<p:sld xmlns:a="http://schemas.openxmlformats.org/drawingml/2006/main" xmlns:r="http://schemas.openxmlformats.org/officeDocument/2006/relationships" xmlns:p="http://schemas.openxmlformats.org/presentationml/2006/main">
-  <p:cSld>
-    <p:spTree>
-      <p:nvGrpSpPr>
-        <p:cNvPr id="1" name="">
-          <a:extLst>
-            <a:ext uri="{FF2B5EF4-FFF2-40B4-BE49-F238E27FC236}">
               <a16:creationId xmlns:a16="http://schemas.microsoft.com/office/drawing/2014/main" id="{16F59195-E866-1D0B-D667-28695799D13F}"/>
             </a:ext>
           </a:extLst>
@@ -4740,10 +4358,10 @@
       </p:sp>
       <p:pic>
         <p:nvPicPr>
-          <p:cNvPr id="9" name="그림 8" descr="텍스트, 스크린샷, 폰트, 번호이(가) 표시된 사진&#10;&#10;AI 생성 콘텐츠는 정확하지 않을 수 있습니다.">
-            <a:extLst>
-              <a:ext uri="{FF2B5EF4-FFF2-40B4-BE49-F238E27FC236}">
-                <a16:creationId xmlns:a16="http://schemas.microsoft.com/office/drawing/2014/main" id="{ED8D0138-8461-BBC2-CDAD-C02AF37FD496}"/>
+          <p:cNvPr id="13" name="그림 12" descr="텍스트, 스크린샷, 폰트이(가) 표시된 사진&#10;&#10;AI 생성 콘텐츠는 정확하지 않을 수 있습니다.">
+            <a:extLst>
+              <a:ext uri="{FF2B5EF4-FFF2-40B4-BE49-F238E27FC236}">
+                <a16:creationId xmlns:a16="http://schemas.microsoft.com/office/drawing/2014/main" id="{985B2BD1-9E5D-1D1B-1081-BFF589AAB4A1}"/>
               </a:ext>
             </a:extLst>
           </p:cNvPr>
@@ -4753,15 +4371,21 @@
           <p:nvPr/>
         </p:nvPicPr>
         <p:blipFill>
-          <a:blip r:embed="rId2"/>
+          <a:blip r:embed="rId2">
+            <a:extLst>
+              <a:ext uri="{28A0092B-C50C-407E-A947-70E740481C1C}">
+                <a14:useLocalDpi xmlns:a14="http://schemas.microsoft.com/office/drawing/2010/main" val="0"/>
+              </a:ext>
+            </a:extLst>
+          </a:blip>
           <a:stretch>
             <a:fillRect/>
           </a:stretch>
         </p:blipFill>
         <p:spPr>
           <a:xfrm>
-            <a:off x="561702" y="1072726"/>
-            <a:ext cx="11084338" cy="3013998"/>
+            <a:off x="5998866" y="1134146"/>
+            <a:ext cx="5950406" cy="5486295"/>
           </a:xfrm>
           <a:prstGeom prst="rect">
             <a:avLst/>
@@ -4770,10 +4394,10 @@
       </p:pic>
       <p:pic>
         <p:nvPicPr>
-          <p:cNvPr id="11" name="그림 10" descr="텍스트, 폰트, 소프트웨어, 웹 페이지이(가) 표시된 사진&#10;&#10;AI 생성 콘텐츠는 정확하지 않을 수 있습니다.">
-            <a:extLst>
-              <a:ext uri="{FF2B5EF4-FFF2-40B4-BE49-F238E27FC236}">
-                <a16:creationId xmlns:a16="http://schemas.microsoft.com/office/drawing/2014/main" id="{D8B19705-CBA8-5415-346A-A17E5DE6650F}"/>
+          <p:cNvPr id="15" name="그림 14" descr="텍스트, 폰트, 소프트웨어, 번호이(가) 표시된 사진&#10;&#10;AI 생성 콘텐츠는 정확하지 않을 수 있습니다.">
+            <a:extLst>
+              <a:ext uri="{FF2B5EF4-FFF2-40B4-BE49-F238E27FC236}">
+                <a16:creationId xmlns:a16="http://schemas.microsoft.com/office/drawing/2014/main" id="{5407FEC5-0C79-C4C1-3770-7C89AB6B0FBC}"/>
               </a:ext>
             </a:extLst>
           </p:cNvPr>
@@ -4783,15 +4407,21 @@
           <p:nvPr/>
         </p:nvPicPr>
         <p:blipFill>
-          <a:blip r:embed="rId3"/>
+          <a:blip r:embed="rId3">
+            <a:extLst>
+              <a:ext uri="{28A0092B-C50C-407E-A947-70E740481C1C}">
+                <a14:useLocalDpi xmlns:a14="http://schemas.microsoft.com/office/drawing/2010/main" val="0"/>
+              </a:ext>
+            </a:extLst>
+          </a:blip>
           <a:stretch>
             <a:fillRect/>
           </a:stretch>
         </p:blipFill>
         <p:spPr>
           <a:xfrm>
-            <a:off x="609097" y="3565351"/>
-            <a:ext cx="11084338" cy="3136644"/>
+            <a:off x="90435" y="1134145"/>
+            <a:ext cx="5687367" cy="5486295"/>
           </a:xfrm>
           <a:prstGeom prst="rect">
             <a:avLst/>
@@ -4811,7 +4441,7 @@
 </p:sld>
 </file>
 
-<file path=ppt/slides/slide13.xml><?xml version="1.0" encoding="utf-8"?>
+<file path=ppt/slides/slide11.xml><?xml version="1.0" encoding="utf-8"?>
 <p:sld xmlns:a="http://schemas.openxmlformats.org/drawingml/2006/main" xmlns:r="http://schemas.openxmlformats.org/officeDocument/2006/relationships" xmlns:p="http://schemas.openxmlformats.org/presentationml/2006/main">
   <p:cSld>
     <p:spTree>
@@ -5050,10 +4680,10 @@
       </p:sp>
       <p:pic>
         <p:nvPicPr>
-          <p:cNvPr id="5" name="그림 4" descr="텍스트, 스크린샷, 라인, 그래프이(가) 표시된 사진&#10;&#10;AI 생성 콘텐츠는 정확하지 않을 수 있습니다.">
-            <a:extLst>
-              <a:ext uri="{FF2B5EF4-FFF2-40B4-BE49-F238E27FC236}">
-                <a16:creationId xmlns:a16="http://schemas.microsoft.com/office/drawing/2014/main" id="{C6FE8B7E-064E-64B0-6AC8-C0FCC359BAAE}"/>
+          <p:cNvPr id="6" name="그림 5" descr="텍스트, 스크린샷, 폰트, 라인이(가) 표시된 사진&#10;&#10;AI 생성 콘텐츠는 정확하지 않을 수 있습니다.">
+            <a:extLst>
+              <a:ext uri="{FF2B5EF4-FFF2-40B4-BE49-F238E27FC236}">
+                <a16:creationId xmlns:a16="http://schemas.microsoft.com/office/drawing/2014/main" id="{CAEAA19C-1E1B-36F6-85A6-650B5EF0CA0E}"/>
               </a:ext>
             </a:extLst>
           </p:cNvPr>
@@ -5063,15 +4693,21 @@
           <p:nvPr/>
         </p:nvPicPr>
         <p:blipFill>
-          <a:blip r:embed="rId2"/>
+          <a:blip r:embed="rId2">
+            <a:extLst>
+              <a:ext uri="{28A0092B-C50C-407E-A947-70E740481C1C}">
+                <a14:useLocalDpi xmlns:a14="http://schemas.microsoft.com/office/drawing/2010/main" val="0"/>
+              </a:ext>
+            </a:extLst>
+          </a:blip>
           <a:stretch>
             <a:fillRect/>
           </a:stretch>
         </p:blipFill>
         <p:spPr>
           <a:xfrm>
-            <a:off x="121644" y="1176190"/>
-            <a:ext cx="5826980" cy="5274852"/>
+            <a:off x="6108892" y="1189858"/>
+            <a:ext cx="5857598" cy="5281279"/>
           </a:xfrm>
           <a:prstGeom prst="rect">
             <a:avLst/>
@@ -5080,10 +4716,10 @@
       </p:pic>
       <p:pic>
         <p:nvPicPr>
-          <p:cNvPr id="8" name="그림 7" descr="텍스트, 스크린샷, 폰트, 라인이(가) 표시된 사진&#10;&#10;AI 생성 콘텐츠는 정확하지 않을 수 있습니다.">
-            <a:extLst>
-              <a:ext uri="{FF2B5EF4-FFF2-40B4-BE49-F238E27FC236}">
-                <a16:creationId xmlns:a16="http://schemas.microsoft.com/office/drawing/2014/main" id="{A06140C7-857C-AA53-3B0C-F49F965C841D}"/>
+          <p:cNvPr id="10" name="그림 9" descr="텍스트, 라인, 스크린샷, 그래프이(가) 표시된 사진&#10;&#10;AI 생성 콘텐츠는 정확하지 않을 수 있습니다.">
+            <a:extLst>
+              <a:ext uri="{FF2B5EF4-FFF2-40B4-BE49-F238E27FC236}">
+                <a16:creationId xmlns:a16="http://schemas.microsoft.com/office/drawing/2014/main" id="{2F5B1346-E8A4-3749-72BC-C0D13D2394C2}"/>
               </a:ext>
             </a:extLst>
           </p:cNvPr>
@@ -5093,15 +4729,21 @@
           <p:nvPr/>
         </p:nvPicPr>
         <p:blipFill>
-          <a:blip r:embed="rId3"/>
+          <a:blip r:embed="rId3">
+            <a:extLst>
+              <a:ext uri="{28A0092B-C50C-407E-A947-70E740481C1C}">
+                <a14:useLocalDpi xmlns:a14="http://schemas.microsoft.com/office/drawing/2010/main" val="0"/>
+              </a:ext>
+            </a:extLst>
+          </a:blip>
           <a:stretch>
             <a:fillRect/>
           </a:stretch>
         </p:blipFill>
         <p:spPr>
           <a:xfrm>
-            <a:off x="6478172" y="1176189"/>
-            <a:ext cx="5429125" cy="5274851"/>
+            <a:off x="225510" y="1189858"/>
+            <a:ext cx="5657871" cy="5281279"/>
           </a:xfrm>
           <a:prstGeom prst="rect">
             <a:avLst/>
@@ -5121,7 +4763,7 @@
 </p:sld>
 </file>
 
-<file path=ppt/slides/slide14.xml><?xml version="1.0" encoding="utf-8"?>
+<file path=ppt/slides/slide12.xml><?xml version="1.0" encoding="utf-8"?>
 <p:sld xmlns:a="http://schemas.openxmlformats.org/drawingml/2006/main" xmlns:r="http://schemas.openxmlformats.org/officeDocument/2006/relationships" xmlns:p="http://schemas.openxmlformats.org/presentationml/2006/main">
   <p:cSld>
     <p:spTree>
@@ -5360,10 +5002,10 @@
       </p:sp>
       <p:pic>
         <p:nvPicPr>
-          <p:cNvPr id="5" name="그림 4" descr="텍스트, 라인, 도표, 스크린샷이(가) 표시된 사진&#10;&#10;AI 생성 콘텐츠는 정확하지 않을 수 있습니다.">
-            <a:extLst>
-              <a:ext uri="{FF2B5EF4-FFF2-40B4-BE49-F238E27FC236}">
-                <a16:creationId xmlns:a16="http://schemas.microsoft.com/office/drawing/2014/main" id="{0ECE50E9-22F7-2C5C-37A1-0F3E9FEC34CC}"/>
+          <p:cNvPr id="8" name="그림 7" descr="텍스트, 스크린샷, 라인, 그래프이(가) 표시된 사진&#10;&#10;AI 생성 콘텐츠는 정확하지 않을 수 있습니다.">
+            <a:extLst>
+              <a:ext uri="{FF2B5EF4-FFF2-40B4-BE49-F238E27FC236}">
+                <a16:creationId xmlns:a16="http://schemas.microsoft.com/office/drawing/2014/main" id="{47DC0298-F406-575A-A945-72A525044B1F}"/>
               </a:ext>
             </a:extLst>
           </p:cNvPr>
@@ -5373,15 +5015,21 @@
           <p:nvPr/>
         </p:nvPicPr>
         <p:blipFill>
-          <a:blip r:embed="rId2"/>
+          <a:blip r:embed="rId2">
+            <a:extLst>
+              <a:ext uri="{28A0092B-C50C-407E-A947-70E740481C1C}">
+                <a14:useLocalDpi xmlns:a14="http://schemas.microsoft.com/office/drawing/2010/main" val="0"/>
+              </a:ext>
+            </a:extLst>
+          </a:blip>
           <a:stretch>
             <a:fillRect/>
           </a:stretch>
         </p:blipFill>
         <p:spPr>
           <a:xfrm>
-            <a:off x="284242" y="1097992"/>
-            <a:ext cx="5464378" cy="5443485"/>
+            <a:off x="298101" y="1050840"/>
+            <a:ext cx="5479701" cy="5448773"/>
           </a:xfrm>
           <a:prstGeom prst="rect">
             <a:avLst/>
@@ -5390,10 +5038,10 @@
       </p:pic>
       <p:pic>
         <p:nvPicPr>
-          <p:cNvPr id="6" name="그림 5" descr="텍스트, 스크린샷, 그래프, 폰트이(가) 표시된 사진&#10;&#10;AI 생성 콘텐츠는 정확하지 않을 수 있습니다.">
-            <a:extLst>
-              <a:ext uri="{FF2B5EF4-FFF2-40B4-BE49-F238E27FC236}">
-                <a16:creationId xmlns:a16="http://schemas.microsoft.com/office/drawing/2014/main" id="{B0F323F7-A8A0-3ECC-740F-682D8EE19163}"/>
+          <p:cNvPr id="10" name="그림 9" descr="텍스트, 스크린샷, 폰트, 라인이(가) 표시된 사진&#10;&#10;AI 생성 콘텐츠는 정확하지 않을 수 있습니다.">
+            <a:extLst>
+              <a:ext uri="{FF2B5EF4-FFF2-40B4-BE49-F238E27FC236}">
+                <a16:creationId xmlns:a16="http://schemas.microsoft.com/office/drawing/2014/main" id="{EF98C579-205C-4B6D-8E46-BAF19934D5BF}"/>
               </a:ext>
             </a:extLst>
           </p:cNvPr>
@@ -5403,15 +5051,21 @@
           <p:nvPr/>
         </p:nvPicPr>
         <p:blipFill>
-          <a:blip r:embed="rId3"/>
+          <a:blip r:embed="rId3">
+            <a:extLst>
+              <a:ext uri="{28A0092B-C50C-407E-A947-70E740481C1C}">
+                <a14:useLocalDpi xmlns:a14="http://schemas.microsoft.com/office/drawing/2010/main" val="0"/>
+              </a:ext>
+            </a:extLst>
+          </a:blip>
           <a:stretch>
             <a:fillRect/>
           </a:stretch>
         </p:blipFill>
         <p:spPr>
           <a:xfrm>
-            <a:off x="6095998" y="1097992"/>
-            <a:ext cx="5811759" cy="5443485"/>
+            <a:off x="6205076" y="1050840"/>
+            <a:ext cx="5688823" cy="5448772"/>
           </a:xfrm>
           <a:prstGeom prst="rect">
             <a:avLst/>
@@ -5431,7 +5085,7 @@
 </p:sld>
 </file>
 
-<file path=ppt/slides/slide15.xml><?xml version="1.0" encoding="utf-8"?>
+<file path=ppt/slides/slide13.xml><?xml version="1.0" encoding="utf-8"?>
 <p:sld xmlns:a="http://schemas.openxmlformats.org/drawingml/2006/main" xmlns:r="http://schemas.openxmlformats.org/officeDocument/2006/relationships" xmlns:p="http://schemas.openxmlformats.org/presentationml/2006/main">
   <p:cSld>
     <p:spTree>
@@ -5670,10 +5324,10 @@
       </p:sp>
       <p:pic>
         <p:nvPicPr>
-          <p:cNvPr id="4" name="그림 3" descr="텍스트, 스크린샷, 번호, 폰트이(가) 표시된 사진&#10;&#10;AI 생성 콘텐츠는 정확하지 않을 수 있습니다.">
-            <a:extLst>
-              <a:ext uri="{FF2B5EF4-FFF2-40B4-BE49-F238E27FC236}">
-                <a16:creationId xmlns:a16="http://schemas.microsoft.com/office/drawing/2014/main" id="{CE910A04-10BA-05E7-5B5E-A6DA3A7BF933}"/>
+          <p:cNvPr id="6" name="그림 5" descr="텍스트, 스크린샷, 번호, 폰트이(가) 표시된 사진&#10;&#10;AI 생성 콘텐츠는 정확하지 않을 수 있습니다.">
+            <a:extLst>
+              <a:ext uri="{FF2B5EF4-FFF2-40B4-BE49-F238E27FC236}">
+                <a16:creationId xmlns:a16="http://schemas.microsoft.com/office/drawing/2014/main" id="{DB36877E-201F-79F8-57B2-74F8C3FEA5C7}"/>
               </a:ext>
             </a:extLst>
           </p:cNvPr>
@@ -5683,15 +5337,21 @@
           <p:nvPr/>
         </p:nvPicPr>
         <p:blipFill>
-          <a:blip r:embed="rId2"/>
+          <a:blip r:embed="rId2">
+            <a:extLst>
+              <a:ext uri="{28A0092B-C50C-407E-A947-70E740481C1C}">
+                <a14:useLocalDpi xmlns:a14="http://schemas.microsoft.com/office/drawing/2010/main" val="0"/>
+              </a:ext>
+            </a:extLst>
+          </a:blip>
           <a:stretch>
             <a:fillRect/>
           </a:stretch>
         </p:blipFill>
         <p:spPr>
           <a:xfrm>
-            <a:off x="305534" y="1300837"/>
-            <a:ext cx="5587518" cy="5250687"/>
+            <a:off x="182936" y="1085107"/>
+            <a:ext cx="5594865" cy="5601186"/>
           </a:xfrm>
           <a:prstGeom prst="rect">
             <a:avLst/>
@@ -5700,10 +5360,10 @@
       </p:pic>
       <p:pic>
         <p:nvPicPr>
-          <p:cNvPr id="8" name="그림 7" descr="텍스트, 스크린샷, 폰트이(가) 표시된 사진&#10;&#10;AI 생성 콘텐츠는 정확하지 않을 수 있습니다.">
-            <a:extLst>
-              <a:ext uri="{FF2B5EF4-FFF2-40B4-BE49-F238E27FC236}">
-                <a16:creationId xmlns:a16="http://schemas.microsoft.com/office/drawing/2014/main" id="{FE29DE47-9616-88DC-F32B-E9096A86AED2}"/>
+          <p:cNvPr id="10" name="그림 9" descr="텍스트, 스크린샷, 폰트이(가) 표시된 사진&#10;&#10;AI 생성 콘텐츠는 정확하지 않을 수 있습니다.">
+            <a:extLst>
+              <a:ext uri="{FF2B5EF4-FFF2-40B4-BE49-F238E27FC236}">
+                <a16:creationId xmlns:a16="http://schemas.microsoft.com/office/drawing/2014/main" id="{EB7C2E28-FCD0-4AA4-EF0C-7FF0B8535D66}"/>
               </a:ext>
             </a:extLst>
           </p:cNvPr>
@@ -5713,15 +5373,21 @@
           <p:nvPr/>
         </p:nvPicPr>
         <p:blipFill>
-          <a:blip r:embed="rId3"/>
+          <a:blip r:embed="rId3">
+            <a:extLst>
+              <a:ext uri="{28A0092B-C50C-407E-A947-70E740481C1C}">
+                <a14:useLocalDpi xmlns:a14="http://schemas.microsoft.com/office/drawing/2010/main" val="0"/>
+              </a:ext>
+            </a:extLst>
+          </a:blip>
           <a:stretch>
             <a:fillRect/>
           </a:stretch>
         </p:blipFill>
         <p:spPr>
           <a:xfrm>
-            <a:off x="6198586" y="1300837"/>
-            <a:ext cx="5687880" cy="5250687"/>
+            <a:off x="6085952" y="1050840"/>
+            <a:ext cx="5943208" cy="5601186"/>
           </a:xfrm>
           <a:prstGeom prst="rect">
             <a:avLst/>
@@ -5741,7 +5407,7 @@
 </p:sld>
 </file>
 
-<file path=ppt/slides/slide16.xml><?xml version="1.0" encoding="utf-8"?>
+<file path=ppt/slides/slide14.xml><?xml version="1.0" encoding="utf-8"?>
 <p:sld xmlns:a="http://schemas.openxmlformats.org/drawingml/2006/main" xmlns:r="http://schemas.openxmlformats.org/officeDocument/2006/relationships" xmlns:p="http://schemas.openxmlformats.org/presentationml/2006/main">
   <p:cSld>
     <p:spTree>
@@ -5831,7 +5497,7 @@
         </p:nvSpPr>
         <p:spPr>
           <a:xfrm>
-            <a:off x="0" y="3419173"/>
+            <a:off x="1" y="3447541"/>
             <a:ext cx="12191999" cy="3429000"/>
           </a:xfrm>
           <a:prstGeom prst="rect">
@@ -5973,10 +5639,10 @@
       </p:sp>
       <p:pic>
         <p:nvPicPr>
-          <p:cNvPr id="10" name="그림 9" descr="텍스트, 스크린샷, 폰트, 번호이(가) 표시된 사진&#10;&#10;AI 생성 콘텐츠는 정확하지 않을 수 있습니다.">
-            <a:extLst>
-              <a:ext uri="{FF2B5EF4-FFF2-40B4-BE49-F238E27FC236}">
-                <a16:creationId xmlns:a16="http://schemas.microsoft.com/office/drawing/2014/main" id="{3CCF15F0-C41D-0346-E6AD-D01E177A9B63}"/>
+          <p:cNvPr id="8" name="그림 7" descr="텍스트, 스크린샷, 폰트, 소프트웨어이(가) 표시된 사진&#10;&#10;AI 생성 콘텐츠는 정확하지 않을 수 있습니다.">
+            <a:extLst>
+              <a:ext uri="{FF2B5EF4-FFF2-40B4-BE49-F238E27FC236}">
+                <a16:creationId xmlns:a16="http://schemas.microsoft.com/office/drawing/2014/main" id="{BE003F7D-8F22-AE04-4243-11E6F31DB055}"/>
               </a:ext>
             </a:extLst>
           </p:cNvPr>
@@ -5999,8 +5665,44 @@
         </p:blipFill>
         <p:spPr>
           <a:xfrm>
-            <a:off x="571020" y="1237736"/>
-            <a:ext cx="11049958" cy="5046555"/>
+            <a:off x="135456" y="1050839"/>
+            <a:ext cx="5766277" cy="5491087"/>
+          </a:xfrm>
+          <a:prstGeom prst="rect">
+            <a:avLst/>
+          </a:prstGeom>
+        </p:spPr>
+      </p:pic>
+      <p:pic>
+        <p:nvPicPr>
+          <p:cNvPr id="11" name="그림 10" descr="텍스트, 스크린샷, 폰트, 번호이(가) 표시된 사진&#10;&#10;AI 생성 콘텐츠는 정확하지 않을 수 있습니다.">
+            <a:extLst>
+              <a:ext uri="{FF2B5EF4-FFF2-40B4-BE49-F238E27FC236}">
+                <a16:creationId xmlns:a16="http://schemas.microsoft.com/office/drawing/2014/main" id="{B174E58F-85C6-F636-8C64-EC676A4773FC}"/>
+              </a:ext>
+            </a:extLst>
+          </p:cNvPr>
+          <p:cNvPicPr>
+            <a:picLocks noChangeAspect="1"/>
+          </p:cNvPicPr>
+          <p:nvPr/>
+        </p:nvPicPr>
+        <p:blipFill>
+          <a:blip r:embed="rId3">
+            <a:extLst>
+              <a:ext uri="{28A0092B-C50C-407E-A947-70E740481C1C}">
+                <a14:useLocalDpi xmlns:a14="http://schemas.microsoft.com/office/drawing/2010/main" val="0"/>
+              </a:ext>
+            </a:extLst>
+          </a:blip>
+          <a:stretch>
+            <a:fillRect/>
+          </a:stretch>
+        </p:blipFill>
+        <p:spPr>
+          <a:xfrm>
+            <a:off x="6216184" y="1059553"/>
+            <a:ext cx="5766277" cy="5482373"/>
           </a:xfrm>
           <a:prstGeom prst="rect">
             <a:avLst/>
@@ -6020,7 +5722,329 @@
 </p:sld>
 </file>
 
-<file path=ppt/slides/slide17.xml><?xml version="1.0" encoding="utf-8"?>
+<file path=ppt/slides/slide15.xml><?xml version="1.0" encoding="utf-8"?>
+<p:sld xmlns:a="http://schemas.openxmlformats.org/drawingml/2006/main" xmlns:r="http://schemas.openxmlformats.org/officeDocument/2006/relationships" xmlns:p="http://schemas.openxmlformats.org/presentationml/2006/main">
+  <p:cSld>
+    <p:spTree>
+      <p:nvGrpSpPr>
+        <p:cNvPr id="1" name="">
+          <a:extLst>
+            <a:ext uri="{FF2B5EF4-FFF2-40B4-BE49-F238E27FC236}">
+              <a16:creationId xmlns:a16="http://schemas.microsoft.com/office/drawing/2014/main" id="{A43E0DF5-CBED-892F-F8CE-252C0A897482}"/>
+            </a:ext>
+          </a:extLst>
+        </p:cNvPr>
+        <p:cNvGrpSpPr/>
+        <p:nvPr/>
+      </p:nvGrpSpPr>
+      <p:grpSpPr>
+        <a:xfrm>
+          <a:off x="0" y="0"/>
+          <a:ext cx="0" cy="0"/>
+          <a:chOff x="0" y="0"/>
+          <a:chExt cx="0" cy="0"/>
+        </a:xfrm>
+      </p:grpSpPr>
+      <p:sp>
+        <p:nvSpPr>
+          <p:cNvPr id="2" name="Rectangle 1">
+            <a:extLst>
+              <a:ext uri="{FF2B5EF4-FFF2-40B4-BE49-F238E27FC236}">
+                <a16:creationId xmlns:a16="http://schemas.microsoft.com/office/drawing/2014/main" id="{63CC8FA8-4CD6-AFFB-4C1B-F2B186353E1C}"/>
+              </a:ext>
+            </a:extLst>
+          </p:cNvPr>
+          <p:cNvSpPr/>
+          <p:nvPr/>
+        </p:nvSpPr>
+        <p:spPr>
+          <a:xfrm>
+            <a:off x="0" y="26863"/>
+            <a:ext cx="12192000" cy="3429000"/>
+          </a:xfrm>
+          <a:prstGeom prst="rect">
+            <a:avLst/>
+          </a:prstGeom>
+          <a:solidFill>
+            <a:schemeClr val="accent3">
+              <a:lumMod val="20000"/>
+              <a:lumOff val="80000"/>
+            </a:schemeClr>
+          </a:solidFill>
+          <a:ln>
+            <a:noFill/>
+          </a:ln>
+        </p:spPr>
+        <p:style>
+          <a:lnRef idx="1">
+            <a:schemeClr val="accent1"/>
+          </a:lnRef>
+          <a:fillRef idx="3">
+            <a:schemeClr val="accent1"/>
+          </a:fillRef>
+          <a:effectRef idx="2">
+            <a:schemeClr val="accent1"/>
+          </a:effectRef>
+          <a:fontRef idx="minor">
+            <a:schemeClr val="lt1"/>
+          </a:fontRef>
+        </p:style>
+        <p:txBody>
+          <a:bodyPr rtlCol="0" anchor="ctr"/>
+          <a:lstStyle/>
+          <a:p>
+            <a:pPr algn="ctr"/>
+            <a:endParaRPr/>
+          </a:p>
+        </p:txBody>
+      </p:sp>
+      <p:sp>
+        <p:nvSpPr>
+          <p:cNvPr id="3" name="Rectangle 2">
+            <a:extLst>
+              <a:ext uri="{FF2B5EF4-FFF2-40B4-BE49-F238E27FC236}">
+                <a16:creationId xmlns:a16="http://schemas.microsoft.com/office/drawing/2014/main" id="{CAE6050A-ABAC-6E69-C91B-E0FF066A13E5}"/>
+              </a:ext>
+            </a:extLst>
+          </p:cNvPr>
+          <p:cNvSpPr/>
+          <p:nvPr/>
+        </p:nvSpPr>
+        <p:spPr>
+          <a:xfrm>
+            <a:off x="0" y="3419173"/>
+            <a:ext cx="12191999" cy="3429000"/>
+          </a:xfrm>
+          <a:prstGeom prst="rect">
+            <a:avLst/>
+          </a:prstGeom>
+          <a:solidFill>
+            <a:srgbClr val="F1F8E9"/>
+          </a:solidFill>
+          <a:ln>
+            <a:noFill/>
+          </a:ln>
+        </p:spPr>
+        <p:style>
+          <a:lnRef idx="1">
+            <a:schemeClr val="accent1"/>
+          </a:lnRef>
+          <a:fillRef idx="3">
+            <a:schemeClr val="accent1"/>
+          </a:fillRef>
+          <a:effectRef idx="2">
+            <a:schemeClr val="accent1"/>
+          </a:effectRef>
+          <a:fontRef idx="minor">
+            <a:schemeClr val="lt1"/>
+          </a:fontRef>
+        </p:style>
+        <p:txBody>
+          <a:bodyPr rtlCol="0" anchor="ctr"/>
+          <a:lstStyle/>
+          <a:p>
+            <a:pPr algn="ctr"/>
+            <a:r>
+              <a:rPr lang="en-US" dirty="0"/>
+              <a:t>2</a:t>
+            </a:r>
+            <a:endParaRPr dirty="0"/>
+          </a:p>
+        </p:txBody>
+      </p:sp>
+      <p:sp>
+        <p:nvSpPr>
+          <p:cNvPr id="7" name="TextBox 6">
+            <a:extLst>
+              <a:ext uri="{FF2B5EF4-FFF2-40B4-BE49-F238E27FC236}">
+                <a16:creationId xmlns:a16="http://schemas.microsoft.com/office/drawing/2014/main" id="{4F57DC69-7812-B0B8-6E43-AB683FE2DC97}"/>
+              </a:ext>
+            </a:extLst>
+          </p:cNvPr>
+          <p:cNvSpPr txBox="1"/>
+          <p:nvPr/>
+        </p:nvSpPr>
+        <p:spPr>
+          <a:xfrm>
+            <a:off x="2756808" y="52030"/>
+            <a:ext cx="6183992" cy="707886"/>
+          </a:xfrm>
+          <a:prstGeom prst="rect">
+            <a:avLst/>
+          </a:prstGeom>
+          <a:noFill/>
+        </p:spPr>
+        <p:txBody>
+          <a:bodyPr wrap="square">
+            <a:spAutoFit/>
+          </a:bodyPr>
+          <a:lstStyle/>
+          <a:p>
+            <a:pPr algn="ctr"/>
+            <a:r>
+              <a:rPr lang="ko-KR" altLang="en-US" sz="4000" b="1" dirty="0">
+                <a:latin typeface="나눔고딕" panose="020D0604000000000000" pitchFamily="50" charset="-127"/>
+                <a:ea typeface="나눔고딕" panose="020D0604000000000000" pitchFamily="50" charset="-127"/>
+              </a:rPr>
+              <a:t>결과물 시연</a:t>
+            </a:r>
+            <a:endParaRPr sz="4000" b="1" dirty="0">
+              <a:latin typeface="나눔고딕" panose="020D0604000000000000" pitchFamily="50" charset="-127"/>
+              <a:ea typeface="나눔고딕" panose="020D0604000000000000" pitchFamily="50" charset="-127"/>
+            </a:endParaRPr>
+          </a:p>
+        </p:txBody>
+      </p:sp>
+      <p:sp>
+        <p:nvSpPr>
+          <p:cNvPr id="12" name="TextBox 11">
+            <a:extLst>
+              <a:ext uri="{FF2B5EF4-FFF2-40B4-BE49-F238E27FC236}">
+                <a16:creationId xmlns:a16="http://schemas.microsoft.com/office/drawing/2014/main" id="{A0F47C75-2D3C-F7EB-0FFD-463A34D327D7}"/>
+              </a:ext>
+            </a:extLst>
+          </p:cNvPr>
+          <p:cNvSpPr txBox="1"/>
+          <p:nvPr/>
+        </p:nvSpPr>
+        <p:spPr>
+          <a:xfrm>
+            <a:off x="3969487" y="744238"/>
+            <a:ext cx="3775410" cy="400110"/>
+          </a:xfrm>
+          <a:prstGeom prst="rect">
+            <a:avLst/>
+          </a:prstGeom>
+          <a:noFill/>
+        </p:spPr>
+        <p:txBody>
+          <a:bodyPr wrap="square">
+            <a:spAutoFit/>
+          </a:bodyPr>
+          <a:lstStyle/>
+          <a:p>
+            <a:pPr algn="ctr"/>
+            <a:r>
+              <a:rPr lang="en-US" sz="2000" b="1" dirty="0">
+                <a:latin typeface="나눔고딕" panose="020D0604000000000000" pitchFamily="50" charset="-127"/>
+                <a:ea typeface="나눔고딕" panose="020D0604000000000000" pitchFamily="50" charset="-127"/>
+              </a:rPr>
+              <a:t>GitHub(</a:t>
+            </a:r>
+            <a:r>
+              <a:rPr lang="en-US" sz="2000" b="1" dirty="0" err="1">
+                <a:latin typeface="나눔고딕" panose="020D0604000000000000" pitchFamily="50" charset="-127"/>
+                <a:ea typeface="나눔고딕" panose="020D0604000000000000" pitchFamily="50" charset="-127"/>
+              </a:rPr>
+              <a:t>Vscode</a:t>
+            </a:r>
+            <a:r>
+              <a:rPr lang="ko-KR" altLang="en-US" sz="2000" b="1" dirty="0">
+                <a:latin typeface="나눔고딕" panose="020D0604000000000000" pitchFamily="50" charset="-127"/>
+                <a:ea typeface="나눔고딕" panose="020D0604000000000000" pitchFamily="50" charset="-127"/>
+              </a:rPr>
+              <a:t>와 연동</a:t>
+            </a:r>
+            <a:r>
+              <a:rPr lang="en-US" altLang="ko-KR" sz="2000" b="1" dirty="0">
+                <a:latin typeface="나눔고딕" panose="020D0604000000000000" pitchFamily="50" charset="-127"/>
+                <a:ea typeface="나눔고딕" panose="020D0604000000000000" pitchFamily="50" charset="-127"/>
+              </a:rPr>
+              <a:t>)</a:t>
+            </a:r>
+            <a:endParaRPr sz="2000" b="1" dirty="0">
+              <a:latin typeface="나눔고딕" panose="020D0604000000000000" pitchFamily="50" charset="-127"/>
+              <a:ea typeface="나눔고딕" panose="020D0604000000000000" pitchFamily="50" charset="-127"/>
+            </a:endParaRPr>
+          </a:p>
+        </p:txBody>
+      </p:sp>
+      <p:pic>
+        <p:nvPicPr>
+          <p:cNvPr id="5" name="그림 4" descr="텍스트, 스크린샷, 소프트웨어, 번호이(가) 표시된 사진&#10;&#10;AI 생성 콘텐츠는 정확하지 않을 수 있습니다.">
+            <a:extLst>
+              <a:ext uri="{FF2B5EF4-FFF2-40B4-BE49-F238E27FC236}">
+                <a16:creationId xmlns:a16="http://schemas.microsoft.com/office/drawing/2014/main" id="{35BB71C4-3120-4848-E8D6-BD1A7E5B45E4}"/>
+              </a:ext>
+            </a:extLst>
+          </p:cNvPr>
+          <p:cNvPicPr>
+            <a:picLocks noChangeAspect="1"/>
+          </p:cNvPicPr>
+          <p:nvPr/>
+        </p:nvPicPr>
+        <p:blipFill>
+          <a:blip r:embed="rId2">
+            <a:extLst>
+              <a:ext uri="{28A0092B-C50C-407E-A947-70E740481C1C}">
+                <a14:useLocalDpi xmlns:a14="http://schemas.microsoft.com/office/drawing/2010/main" val="0"/>
+              </a:ext>
+            </a:extLst>
+          </a:blip>
+          <a:stretch>
+            <a:fillRect/>
+          </a:stretch>
+        </p:blipFill>
+        <p:spPr>
+          <a:xfrm>
+            <a:off x="74247" y="1144348"/>
+            <a:ext cx="5782946" cy="5508194"/>
+          </a:xfrm>
+          <a:prstGeom prst="rect">
+            <a:avLst/>
+          </a:prstGeom>
+        </p:spPr>
+      </p:pic>
+      <p:pic>
+        <p:nvPicPr>
+          <p:cNvPr id="9" name="그림 8" descr="텍스트, 스크린샷, 번호, 폰트이(가) 표시된 사진&#10;&#10;AI 생성 콘텐츠는 정확하지 않을 수 있습니다.">
+            <a:extLst>
+              <a:ext uri="{FF2B5EF4-FFF2-40B4-BE49-F238E27FC236}">
+                <a16:creationId xmlns:a16="http://schemas.microsoft.com/office/drawing/2014/main" id="{592624DA-FB67-B87B-DA76-B0FBD7C760D4}"/>
+              </a:ext>
+            </a:extLst>
+          </p:cNvPr>
+          <p:cNvPicPr>
+            <a:picLocks noChangeAspect="1"/>
+          </p:cNvPicPr>
+          <p:nvPr/>
+        </p:nvPicPr>
+        <p:blipFill>
+          <a:blip r:embed="rId3">
+            <a:extLst>
+              <a:ext uri="{28A0092B-C50C-407E-A947-70E740481C1C}">
+                <a14:useLocalDpi xmlns:a14="http://schemas.microsoft.com/office/drawing/2010/main" val="0"/>
+              </a:ext>
+            </a:extLst>
+          </a:blip>
+          <a:stretch>
+            <a:fillRect/>
+          </a:stretch>
+        </p:blipFill>
+        <p:spPr>
+          <a:xfrm>
+            <a:off x="5915408" y="1144348"/>
+            <a:ext cx="6202346" cy="5538368"/>
+          </a:xfrm>
+          <a:prstGeom prst="rect">
+            <a:avLst/>
+          </a:prstGeom>
+        </p:spPr>
+      </p:pic>
+    </p:spTree>
+    <p:extLst>
+      <p:ext uri="{BB962C8B-B14F-4D97-AF65-F5344CB8AC3E}">
+        <p14:creationId xmlns:p14="http://schemas.microsoft.com/office/powerpoint/2010/main" val="189841417"/>
+      </p:ext>
+    </p:extLst>
+  </p:cSld>
+  <p:clrMapOvr>
+    <a:masterClrMapping/>
+  </p:clrMapOvr>
+</p:sld>
+</file>
+
+<file path=ppt/slides/slide16.xml><?xml version="1.0" encoding="utf-8"?>
 <p:sld xmlns:a="http://schemas.openxmlformats.org/drawingml/2006/main" xmlns:r="http://schemas.openxmlformats.org/officeDocument/2006/relationships" xmlns:p="http://schemas.openxmlformats.org/presentationml/2006/main">
   <p:cSld>
     <p:spTree>
@@ -7045,7 +7069,7 @@
 </p:sld>
 </file>
 
-<file path=ppt/slides/slide18.xml><?xml version="1.0" encoding="utf-8"?>
+<file path=ppt/slides/slide17.xml><?xml version="1.0" encoding="utf-8"?>
 <p:sld xmlns:a="http://schemas.openxmlformats.org/drawingml/2006/main" xmlns:r="http://schemas.openxmlformats.org/officeDocument/2006/relationships" xmlns:p="http://schemas.openxmlformats.org/presentationml/2006/main">
   <p:cSld>
     <p:spTree>
@@ -8523,8 +8547,8 @@
         </p:nvSpPr>
         <p:spPr>
           <a:xfrm>
-            <a:off x="6441509" y="5633210"/>
-            <a:ext cx="1776617" cy="369332"/>
+            <a:off x="5993239" y="5627027"/>
+            <a:ext cx="3090563" cy="369332"/>
           </a:xfrm>
           <a:prstGeom prst="rect">
             <a:avLst/>
@@ -8545,11 +8569,11 @@
               <a:t>Python, </a:t>
             </a:r>
             <a:r>
-              <a:rPr lang="en-US" b="1" dirty="0" err="1">
-                <a:latin typeface="나눔고딕" panose="020D0604000000000000" pitchFamily="50" charset="-127"/>
-                <a:ea typeface="나눔고딕" panose="020D0604000000000000" pitchFamily="50" charset="-127"/>
-              </a:rPr>
-              <a:t>Mysql</a:t>
+              <a:rPr lang="en-US" altLang="ko-KR" b="1" spc="-150" dirty="0">
+                <a:latin typeface="나눔고딕" panose="020D0604000000000000" pitchFamily="50" charset="-127"/>
+                <a:ea typeface="나눔고딕" panose="020D0604000000000000" pitchFamily="50" charset="-127"/>
+              </a:rPr>
+              <a:t>MYSQL  Work Bench</a:t>
             </a:r>
             <a:endParaRPr b="1" dirty="0">
               <a:latin typeface="나눔고딕" panose="020D0604000000000000" pitchFamily="50" charset="-127"/>
@@ -8656,8 +8680,8 @@
         </p:nvSpPr>
         <p:spPr>
           <a:xfrm>
-            <a:off x="930219" y="5626397"/>
-            <a:ext cx="1582768" cy="353943"/>
+            <a:off x="429024" y="5656751"/>
+            <a:ext cx="2713055" cy="353943"/>
           </a:xfrm>
           <a:prstGeom prst="rect">
             <a:avLst/>
@@ -8682,7 +8706,7 @@
                 <a:latin typeface="나눔고딕" panose="020D0604000000000000" pitchFamily="50" charset="-127"/>
                 <a:ea typeface="나눔고딕" panose="020D0604000000000000" pitchFamily="50" charset="-127"/>
               </a:rPr>
-              <a:t>, MySQL</a:t>
+              <a:t>,  MYSQL  Work Bench</a:t>
             </a:r>
             <a:endParaRPr sz="1700" b="1" spc="-150" dirty="0">
               <a:latin typeface="나눔고딕" panose="020D0604000000000000" pitchFamily="50" charset="-127"/>
@@ -9635,7 +9659,7 @@
         <p:cNvPr id="1" name="">
           <a:extLst>
             <a:ext uri="{FF2B5EF4-FFF2-40B4-BE49-F238E27FC236}">
-              <a16:creationId xmlns:a16="http://schemas.microsoft.com/office/drawing/2014/main" id="{6BD9D99B-31C3-8500-231A-A8935A4C9D6F}"/>
+              <a16:creationId xmlns:a16="http://schemas.microsoft.com/office/drawing/2014/main" id="{8EFCEC91-FE93-75AF-1F0B-D319CED36EC2}"/>
             </a:ext>
           </a:extLst>
         </p:cNvPr>
@@ -9655,7 +9679,7 @@
           <p:cNvPr id="2" name="Rectangle 1">
             <a:extLst>
               <a:ext uri="{FF2B5EF4-FFF2-40B4-BE49-F238E27FC236}">
-                <a16:creationId xmlns:a16="http://schemas.microsoft.com/office/drawing/2014/main" id="{59E379D1-470C-550A-A2F6-DF3D6B1FB4A3}"/>
+                <a16:creationId xmlns:a16="http://schemas.microsoft.com/office/drawing/2014/main" id="{D5243EC0-EF88-DA7E-FBBD-764B6487C726}"/>
               </a:ext>
             </a:extLst>
           </p:cNvPr>
@@ -9708,7 +9732,7 @@
           <p:cNvPr id="3" name="Rectangle 2">
             <a:extLst>
               <a:ext uri="{FF2B5EF4-FFF2-40B4-BE49-F238E27FC236}">
-                <a16:creationId xmlns:a16="http://schemas.microsoft.com/office/drawing/2014/main" id="{7B515446-701B-0360-160F-FE622FCCC7E0}"/>
+                <a16:creationId xmlns:a16="http://schemas.microsoft.com/office/drawing/2014/main" id="{6BB743FE-2045-B03A-C4BE-FBD22ED0038C}"/>
               </a:ext>
             </a:extLst>
           </p:cNvPr>
@@ -9718,7 +9742,7 @@
         <p:spPr>
           <a:xfrm>
             <a:off x="0" y="3419173"/>
-            <a:ext cx="12191999" cy="3429000"/>
+            <a:ext cx="12192000" cy="3429000"/>
           </a:xfrm>
           <a:prstGeom prst="rect">
             <a:avLst/>
@@ -9762,7 +9786,7 @@
           <p:cNvPr id="7" name="TextBox 6">
             <a:extLst>
               <a:ext uri="{FF2B5EF4-FFF2-40B4-BE49-F238E27FC236}">
-                <a16:creationId xmlns:a16="http://schemas.microsoft.com/office/drawing/2014/main" id="{C25B4A11-B5E6-CA37-DCD3-CD2F6A91D9D5}"/>
+                <a16:creationId xmlns:a16="http://schemas.microsoft.com/office/drawing/2014/main" id="{4A47CDF6-7D66-6264-F46F-01C84B63AFE3}"/>
               </a:ext>
             </a:extLst>
           </p:cNvPr>
@@ -9771,7 +9795,7 @@
         </p:nvSpPr>
         <p:spPr>
           <a:xfrm>
-            <a:off x="2756808" y="404368"/>
+            <a:off x="2756808" y="12490"/>
             <a:ext cx="6183992" cy="707886"/>
           </a:xfrm>
           <a:prstGeom prst="rect">
@@ -9805,7 +9829,7 @@
           <p:cNvPr id="12" name="TextBox 11">
             <a:extLst>
               <a:ext uri="{FF2B5EF4-FFF2-40B4-BE49-F238E27FC236}">
-                <a16:creationId xmlns:a16="http://schemas.microsoft.com/office/drawing/2014/main" id="{18A09B60-BF52-BCF3-628F-AA92B77F1556}"/>
+                <a16:creationId xmlns:a16="http://schemas.microsoft.com/office/drawing/2014/main" id="{3F234F53-5F40-FD1B-6233-92A9920BD339}"/>
               </a:ext>
             </a:extLst>
           </p:cNvPr>
@@ -9814,8 +9838,8 @@
         </p:nvSpPr>
         <p:spPr>
           <a:xfrm>
-            <a:off x="3969487" y="1088187"/>
-            <a:ext cx="3775410" cy="400110"/>
+            <a:off x="3969487" y="726451"/>
+            <a:ext cx="3775410" cy="523220"/>
           </a:xfrm>
           <a:prstGeom prst="rect">
             <a:avLst/>
@@ -9830,20 +9854,13 @@
           <a:p>
             <a:pPr algn="ctr"/>
             <a:r>
-              <a:rPr lang="en-US" sz="2000" b="1" dirty="0">
-                <a:latin typeface="나눔고딕" panose="020D0604000000000000" pitchFamily="50" charset="-127"/>
-                <a:ea typeface="나눔고딕" panose="020D0604000000000000" pitchFamily="50" charset="-127"/>
-              </a:rPr>
-              <a:t>Crawling </a:t>
-            </a:r>
-            <a:r>
-              <a:rPr lang="ko-KR" altLang="en-US" sz="2000" b="1" dirty="0">
-                <a:latin typeface="나눔고딕" panose="020D0604000000000000" pitchFamily="50" charset="-127"/>
-                <a:ea typeface="나눔고딕" panose="020D0604000000000000" pitchFamily="50" charset="-127"/>
-              </a:rPr>
-              <a:t>코드실행</a:t>
-            </a:r>
-            <a:endParaRPr sz="2000" b="1" dirty="0">
+              <a:rPr lang="ko-KR" altLang="en-US" sz="2800" b="1" dirty="0">
+                <a:latin typeface="나눔고딕" panose="020D0604000000000000" pitchFamily="50" charset="-127"/>
+                <a:ea typeface="나눔고딕" panose="020D0604000000000000" pitchFamily="50" charset="-127"/>
+              </a:rPr>
+              <a:t>테이블 명세서</a:t>
+            </a:r>
+            <a:endParaRPr sz="2800" b="1" dirty="0">
               <a:latin typeface="나눔고딕" panose="020D0604000000000000" pitchFamily="50" charset="-127"/>
               <a:ea typeface="나눔고딕" panose="020D0604000000000000" pitchFamily="50" charset="-127"/>
             </a:endParaRPr>
@@ -9852,10 +9869,10 @@
       </p:sp>
       <p:pic>
         <p:nvPicPr>
-          <p:cNvPr id="14" name="그림 13" descr="텍스트, 스크린샷, 소프트웨어, 멀티미디어 소프트웨어이(가) 표시된 사진&#10;&#10;AI 생성 콘텐츠는 정확하지 않을 수 있습니다.">
-            <a:extLst>
-              <a:ext uri="{FF2B5EF4-FFF2-40B4-BE49-F238E27FC236}">
-                <a16:creationId xmlns:a16="http://schemas.microsoft.com/office/drawing/2014/main" id="{0418A10D-AFBA-CEE1-530C-B3D2661EE0CA}"/>
+          <p:cNvPr id="8" name="그림 7" descr="텍스트, 번호, 스크린샷, 라인이(가) 표시된 사진&#10;&#10;AI 생성 콘텐츠는 정확하지 않을 수 있습니다.">
+            <a:extLst>
+              <a:ext uri="{FF2B5EF4-FFF2-40B4-BE49-F238E27FC236}">
+                <a16:creationId xmlns:a16="http://schemas.microsoft.com/office/drawing/2014/main" id="{40CF2E62-A541-3CEE-533E-7DE242FF57BD}"/>
               </a:ext>
             </a:extLst>
           </p:cNvPr>
@@ -9865,15 +9882,57 @@
           <p:nvPr/>
         </p:nvPicPr>
         <p:blipFill>
-          <a:blip r:embed="rId2"/>
+          <a:blip r:embed="rId2">
+            <a:extLst>
+              <a:ext uri="{28A0092B-C50C-407E-A947-70E740481C1C}">
+                <a14:useLocalDpi xmlns:a14="http://schemas.microsoft.com/office/drawing/2010/main" val="0"/>
+              </a:ext>
+            </a:extLst>
+          </a:blip>
           <a:stretch>
             <a:fillRect/>
           </a:stretch>
         </p:blipFill>
         <p:spPr>
           <a:xfrm>
-            <a:off x="854110" y="1796074"/>
-            <a:ext cx="10550769" cy="4534388"/>
+            <a:off x="622998" y="4332886"/>
+            <a:ext cx="10917476" cy="2480228"/>
+          </a:xfrm>
+          <a:prstGeom prst="rect">
+            <a:avLst/>
+          </a:prstGeom>
+        </p:spPr>
+      </p:pic>
+      <p:pic>
+        <p:nvPicPr>
+          <p:cNvPr id="6" name="그림 5" descr="텍스트, 스크린샷, 번호, 폰트이(가) 표시된 사진&#10;&#10;AI 생성 콘텐츠는 정확하지 않을 수 있습니다.">
+            <a:extLst>
+              <a:ext uri="{FF2B5EF4-FFF2-40B4-BE49-F238E27FC236}">
+                <a16:creationId xmlns:a16="http://schemas.microsoft.com/office/drawing/2014/main" id="{9EDE4561-1CD5-433C-AF24-E49520678285}"/>
+              </a:ext>
+            </a:extLst>
+          </p:cNvPr>
+          <p:cNvPicPr>
+            <a:picLocks noChangeAspect="1"/>
+          </p:cNvPicPr>
+          <p:nvPr/>
+        </p:nvPicPr>
+        <p:blipFill>
+          <a:blip r:embed="rId3">
+            <a:extLst>
+              <a:ext uri="{28A0092B-C50C-407E-A947-70E740481C1C}">
+                <a14:useLocalDpi xmlns:a14="http://schemas.microsoft.com/office/drawing/2010/main" val="0"/>
+              </a:ext>
+            </a:extLst>
+          </a:blip>
+          <a:stretch>
+            <a:fillRect/>
+          </a:stretch>
+        </p:blipFill>
+        <p:spPr>
+          <a:xfrm>
+            <a:off x="622997" y="1249670"/>
+            <a:ext cx="10917475" cy="3083215"/>
           </a:xfrm>
           <a:prstGeom prst="rect">
             <a:avLst/>
@@ -9883,7 +9942,7 @@
     </p:spTree>
     <p:extLst>
       <p:ext uri="{BB962C8B-B14F-4D97-AF65-F5344CB8AC3E}">
-        <p14:creationId xmlns:p14="http://schemas.microsoft.com/office/powerpoint/2010/main" val="4070671390"/>
+        <p14:creationId xmlns:p14="http://schemas.microsoft.com/office/powerpoint/2010/main" val="3095106362"/>
       </p:ext>
     </p:extLst>
   </p:cSld>
@@ -9901,7 +9960,7 @@
         <p:cNvPr id="1" name="">
           <a:extLst>
             <a:ext uri="{FF2B5EF4-FFF2-40B4-BE49-F238E27FC236}">
-              <a16:creationId xmlns:a16="http://schemas.microsoft.com/office/drawing/2014/main" id="{A43E0DF5-CBED-892F-F8CE-252C0A897482}"/>
+              <a16:creationId xmlns:a16="http://schemas.microsoft.com/office/drawing/2014/main" id="{B6249CBB-0186-19F7-402D-48CCBA94C1F4}"/>
             </a:ext>
           </a:extLst>
         </p:cNvPr>
@@ -9921,7 +9980,7 @@
           <p:cNvPr id="2" name="Rectangle 1">
             <a:extLst>
               <a:ext uri="{FF2B5EF4-FFF2-40B4-BE49-F238E27FC236}">
-                <a16:creationId xmlns:a16="http://schemas.microsoft.com/office/drawing/2014/main" id="{63CC8FA8-4CD6-AFFB-4C1B-F2B186353E1C}"/>
+                <a16:creationId xmlns:a16="http://schemas.microsoft.com/office/drawing/2014/main" id="{03104AEA-1226-1820-04E1-D1D77050CC62}"/>
               </a:ext>
             </a:extLst>
           </p:cNvPr>
@@ -9930,7 +9989,7 @@
         </p:nvSpPr>
         <p:spPr>
           <a:xfrm>
-            <a:off x="0" y="26863"/>
+            <a:off x="0" y="3"/>
             <a:ext cx="12192000" cy="3429000"/>
           </a:xfrm>
           <a:prstGeom prst="rect">
@@ -9974,7 +10033,7 @@
           <p:cNvPr id="3" name="Rectangle 2">
             <a:extLst>
               <a:ext uri="{FF2B5EF4-FFF2-40B4-BE49-F238E27FC236}">
-                <a16:creationId xmlns:a16="http://schemas.microsoft.com/office/drawing/2014/main" id="{CAE6050A-ABAC-6E69-C91B-E0FF066A13E5}"/>
+                <a16:creationId xmlns:a16="http://schemas.microsoft.com/office/drawing/2014/main" id="{B31B5191-0782-2ED5-8B73-7CC38AE225A7}"/>
               </a:ext>
             </a:extLst>
           </p:cNvPr>
@@ -9983,8 +10042,8 @@
         </p:nvSpPr>
         <p:spPr>
           <a:xfrm>
-            <a:off x="0" y="3419173"/>
-            <a:ext cx="12191999" cy="3429000"/>
+            <a:off x="80388" y="3419173"/>
+            <a:ext cx="12111612" cy="3429000"/>
           </a:xfrm>
           <a:prstGeom prst="rect">
             <a:avLst/>
@@ -10028,7 +10087,7 @@
           <p:cNvPr id="7" name="TextBox 6">
             <a:extLst>
               <a:ext uri="{FF2B5EF4-FFF2-40B4-BE49-F238E27FC236}">
-                <a16:creationId xmlns:a16="http://schemas.microsoft.com/office/drawing/2014/main" id="{4F57DC69-7812-B0B8-6E43-AB683FE2DC97}"/>
+                <a16:creationId xmlns:a16="http://schemas.microsoft.com/office/drawing/2014/main" id="{2B6B2562-D80A-941F-81E9-FE18C830371D}"/>
               </a:ext>
             </a:extLst>
           </p:cNvPr>
@@ -10037,7 +10096,7 @@
         </p:nvSpPr>
         <p:spPr>
           <a:xfrm>
-            <a:off x="2756808" y="52030"/>
+            <a:off x="2756808" y="233549"/>
             <a:ext cx="6183992" cy="707886"/>
           </a:xfrm>
           <a:prstGeom prst="rect">
@@ -10053,16 +10112,10 @@
           <a:p>
             <a:pPr algn="ctr"/>
             <a:r>
-              <a:rPr lang="ko-KR" altLang="en-US" sz="4000" b="1" dirty="0">
-                <a:latin typeface="나눔고딕" panose="020D0604000000000000" pitchFamily="50" charset="-127"/>
-                <a:ea typeface="나눔고딕" panose="020D0604000000000000" pitchFamily="50" charset="-127"/>
-              </a:rPr>
+              <a:rPr lang="ko-KR" altLang="en-US" sz="4000" b="1" dirty="0"/>
               <a:t>결과물 시연</a:t>
             </a:r>
-            <a:endParaRPr sz="4000" b="1" dirty="0">
-              <a:latin typeface="나눔고딕" panose="020D0604000000000000" pitchFamily="50" charset="-127"/>
-              <a:ea typeface="나눔고딕" panose="020D0604000000000000" pitchFamily="50" charset="-127"/>
-            </a:endParaRPr>
+            <a:endParaRPr sz="4000" b="1" dirty="0"/>
           </a:p>
         </p:txBody>
       </p:sp>
@@ -10071,7 +10124,7 @@
           <p:cNvPr id="12" name="TextBox 11">
             <a:extLst>
               <a:ext uri="{FF2B5EF4-FFF2-40B4-BE49-F238E27FC236}">
-                <a16:creationId xmlns:a16="http://schemas.microsoft.com/office/drawing/2014/main" id="{A0F47C75-2D3C-F7EB-0FFD-463A34D327D7}"/>
+                <a16:creationId xmlns:a16="http://schemas.microsoft.com/office/drawing/2014/main" id="{2D304589-9263-5175-E55D-F47507F77A7F}"/>
               </a:ext>
             </a:extLst>
           </p:cNvPr>
@@ -10080,7 +10133,7 @@
         </p:nvSpPr>
         <p:spPr>
           <a:xfrm>
-            <a:off x="3969487" y="744238"/>
+            <a:off x="3969487" y="1088187"/>
             <a:ext cx="3775410" cy="400110"/>
           </a:xfrm>
           <a:prstGeom prst="rect">
@@ -10096,46 +10149,19 @@
           <a:p>
             <a:pPr algn="ctr"/>
             <a:r>
-              <a:rPr lang="en-US" sz="2000" b="1" dirty="0">
-                <a:latin typeface="나눔고딕" panose="020D0604000000000000" pitchFamily="50" charset="-127"/>
-                <a:ea typeface="나눔고딕" panose="020D0604000000000000" pitchFamily="50" charset="-127"/>
-              </a:rPr>
-              <a:t>GitHub(</a:t>
-            </a:r>
-            <a:r>
-              <a:rPr lang="en-US" sz="2000" b="1" dirty="0" err="1">
-                <a:latin typeface="나눔고딕" panose="020D0604000000000000" pitchFamily="50" charset="-127"/>
-                <a:ea typeface="나눔고딕" panose="020D0604000000000000" pitchFamily="50" charset="-127"/>
-              </a:rPr>
-              <a:t>Vscode</a:t>
-            </a:r>
-            <a:r>
-              <a:rPr lang="ko-KR" altLang="en-US" sz="2000" b="1" dirty="0">
-                <a:latin typeface="나눔고딕" panose="020D0604000000000000" pitchFamily="50" charset="-127"/>
-                <a:ea typeface="나눔고딕" panose="020D0604000000000000" pitchFamily="50" charset="-127"/>
-              </a:rPr>
-              <a:t>와 연동</a:t>
-            </a:r>
-            <a:r>
-              <a:rPr lang="en-US" altLang="ko-KR" sz="2000" b="1" dirty="0">
-                <a:latin typeface="나눔고딕" panose="020D0604000000000000" pitchFamily="50" charset="-127"/>
-                <a:ea typeface="나눔고딕" panose="020D0604000000000000" pitchFamily="50" charset="-127"/>
-              </a:rPr>
-              <a:t>)</a:t>
-            </a:r>
-            <a:endParaRPr sz="2000" b="1" dirty="0">
-              <a:latin typeface="나눔고딕" panose="020D0604000000000000" pitchFamily="50" charset="-127"/>
-              <a:ea typeface="나눔고딕" panose="020D0604000000000000" pitchFamily="50" charset="-127"/>
-            </a:endParaRPr>
+              <a:rPr lang="en-US" sz="2000" b="1" dirty="0"/>
+              <a:t>MYSQL(Data)</a:t>
+            </a:r>
+            <a:endParaRPr sz="2000" b="1" dirty="0"/>
           </a:p>
         </p:txBody>
       </p:sp>
       <p:pic>
         <p:nvPicPr>
-          <p:cNvPr id="6" name="그림 5" descr="텍스트, 스크린샷, 소프트웨어, 멀티미디어 소프트웨어이(가) 표시된 사진&#10;&#10;AI 생성 콘텐츠는 정확하지 않을 수 있습니다.">
-            <a:extLst>
-              <a:ext uri="{FF2B5EF4-FFF2-40B4-BE49-F238E27FC236}">
-                <a16:creationId xmlns:a16="http://schemas.microsoft.com/office/drawing/2014/main" id="{B4518E5A-69B6-F182-76DF-4E24E72BEBF7}"/>
+          <p:cNvPr id="5" name="그림 4" descr="텍스트, 스크린샷, 소프트웨어, 디스플레이이(가) 표시된 사진&#10;&#10;AI 생성 콘텐츠는 정확하지 않을 수 있습니다.">
+            <a:extLst>
+              <a:ext uri="{FF2B5EF4-FFF2-40B4-BE49-F238E27FC236}">
+                <a16:creationId xmlns:a16="http://schemas.microsoft.com/office/drawing/2014/main" id="{1F405ADD-1757-F289-5E31-7016D33E9F02}"/>
               </a:ext>
             </a:extLst>
           </p:cNvPr>
@@ -10145,31 +10171,201 @@
           <p:nvPr/>
         </p:nvPicPr>
         <p:blipFill>
-          <a:blip r:embed="rId2">
-            <a:extLst>
-              <a:ext uri="{28A0092B-C50C-407E-A947-70E740481C1C}">
-                <a14:useLocalDpi xmlns:a14="http://schemas.microsoft.com/office/drawing/2010/main" val="0"/>
-              </a:ext>
-            </a:extLst>
-          </a:blip>
+          <a:blip r:embed="rId2"/>
           <a:stretch>
             <a:fillRect/>
           </a:stretch>
         </p:blipFill>
         <p:spPr>
           <a:xfrm>
-            <a:off x="661471" y="1151968"/>
-            <a:ext cx="11004665" cy="5690958"/>
+            <a:off x="237811" y="1202363"/>
+            <a:ext cx="4386640" cy="3259340"/>
           </a:xfrm>
           <a:prstGeom prst="rect">
             <a:avLst/>
           </a:prstGeom>
         </p:spPr>
       </p:pic>
+      <p:pic>
+        <p:nvPicPr>
+          <p:cNvPr id="10" name="그림 9" descr="텍스트, 스크린샷, 소프트웨어, 컴퓨터 아이콘이(가) 표시된 사진&#10;&#10;AI 생성 콘텐츠는 정확하지 않을 수 있습니다.">
+            <a:extLst>
+              <a:ext uri="{FF2B5EF4-FFF2-40B4-BE49-F238E27FC236}">
+                <a16:creationId xmlns:a16="http://schemas.microsoft.com/office/drawing/2014/main" id="{F4C51597-A82B-2D0D-C17C-E69D959C24C8}"/>
+              </a:ext>
+            </a:extLst>
+          </p:cNvPr>
+          <p:cNvPicPr>
+            <a:picLocks noChangeAspect="1"/>
+          </p:cNvPicPr>
+          <p:nvPr/>
+        </p:nvPicPr>
+        <p:blipFill>
+          <a:blip r:embed="rId3"/>
+          <a:stretch>
+            <a:fillRect/>
+          </a:stretch>
+        </p:blipFill>
+        <p:spPr>
+          <a:xfrm>
+            <a:off x="4092119" y="2690658"/>
+            <a:ext cx="4433929" cy="3463868"/>
+          </a:xfrm>
+          <a:prstGeom prst="rect">
+            <a:avLst/>
+          </a:prstGeom>
+        </p:spPr>
+      </p:pic>
+      <p:pic>
+        <p:nvPicPr>
+          <p:cNvPr id="8" name="그림 7" descr="텍스트, 스크린샷, 소프트웨어, 운영 체제이(가) 표시된 사진&#10;&#10;AI 생성 콘텐츠는 정확하지 않을 수 있습니다.">
+            <a:extLst>
+              <a:ext uri="{FF2B5EF4-FFF2-40B4-BE49-F238E27FC236}">
+                <a16:creationId xmlns:a16="http://schemas.microsoft.com/office/drawing/2014/main" id="{E2306B53-F33A-FBF2-C08D-B64EB19FB175}"/>
+              </a:ext>
+            </a:extLst>
+          </p:cNvPr>
+          <p:cNvPicPr>
+            <a:picLocks noChangeAspect="1"/>
+          </p:cNvPicPr>
+          <p:nvPr/>
+        </p:nvPicPr>
+        <p:blipFill>
+          <a:blip r:embed="rId4"/>
+          <a:stretch>
+            <a:fillRect/>
+          </a:stretch>
+        </p:blipFill>
+        <p:spPr>
+          <a:xfrm>
+            <a:off x="6812282" y="943813"/>
+            <a:ext cx="4944346" cy="3593640"/>
+          </a:xfrm>
+          <a:prstGeom prst="rect">
+            <a:avLst/>
+          </a:prstGeom>
+        </p:spPr>
+      </p:pic>
+      <p:sp>
+        <p:nvSpPr>
+          <p:cNvPr id="11" name="TextBox 10">
+            <a:extLst>
+              <a:ext uri="{FF2B5EF4-FFF2-40B4-BE49-F238E27FC236}">
+                <a16:creationId xmlns:a16="http://schemas.microsoft.com/office/drawing/2014/main" id="{20EFC4E9-D825-257A-38F5-1879952BD4CB}"/>
+              </a:ext>
+            </a:extLst>
+          </p:cNvPr>
+          <p:cNvSpPr txBox="1"/>
+          <p:nvPr/>
+        </p:nvSpPr>
+        <p:spPr>
+          <a:xfrm>
+            <a:off x="7915965" y="4532793"/>
+            <a:ext cx="2604231" cy="523220"/>
+          </a:xfrm>
+          <a:prstGeom prst="rect">
+            <a:avLst/>
+          </a:prstGeom>
+          <a:noFill/>
+        </p:spPr>
+        <p:txBody>
+          <a:bodyPr wrap="square">
+            <a:spAutoFit/>
+          </a:bodyPr>
+          <a:lstStyle/>
+          <a:p>
+            <a:r>
+              <a:rPr lang="en-US" sz="2800" b="1" dirty="0"/>
+              <a:t>Query </a:t>
+            </a:r>
+            <a:r>
+              <a:rPr lang="ko-KR" altLang="en-US" sz="2800" b="1" dirty="0"/>
+              <a:t>작성</a:t>
+            </a:r>
+            <a:endParaRPr sz="2800" b="1" dirty="0"/>
+          </a:p>
+        </p:txBody>
+      </p:sp>
+      <p:sp>
+        <p:nvSpPr>
+          <p:cNvPr id="13" name="TextBox 12">
+            <a:extLst>
+              <a:ext uri="{FF2B5EF4-FFF2-40B4-BE49-F238E27FC236}">
+                <a16:creationId xmlns:a16="http://schemas.microsoft.com/office/drawing/2014/main" id="{E902553B-769B-702F-1278-58EA57789414}"/>
+              </a:ext>
+            </a:extLst>
+          </p:cNvPr>
+          <p:cNvSpPr txBox="1"/>
+          <p:nvPr/>
+        </p:nvSpPr>
+        <p:spPr>
+          <a:xfrm>
+            <a:off x="1747082" y="4748404"/>
+            <a:ext cx="2604231" cy="523220"/>
+          </a:xfrm>
+          <a:prstGeom prst="rect">
+            <a:avLst/>
+          </a:prstGeom>
+          <a:noFill/>
+        </p:spPr>
+        <p:txBody>
+          <a:bodyPr wrap="square">
+            <a:spAutoFit/>
+          </a:bodyPr>
+          <a:lstStyle/>
+          <a:p>
+            <a:r>
+              <a:rPr lang="en-US" sz="2800" b="1" dirty="0"/>
+              <a:t>ERD </a:t>
+            </a:r>
+            <a:r>
+              <a:rPr lang="ko-KR" altLang="en-US" sz="2800" b="1" dirty="0"/>
+              <a:t>생성</a:t>
+            </a:r>
+            <a:endParaRPr sz="2800" b="1" dirty="0"/>
+          </a:p>
+        </p:txBody>
+      </p:sp>
+      <p:sp>
+        <p:nvSpPr>
+          <p:cNvPr id="15" name="TextBox 14">
+            <a:extLst>
+              <a:ext uri="{FF2B5EF4-FFF2-40B4-BE49-F238E27FC236}">
+                <a16:creationId xmlns:a16="http://schemas.microsoft.com/office/drawing/2014/main" id="{8D78F307-D488-C2D8-B1BE-B9F3CD3DD99A}"/>
+              </a:ext>
+            </a:extLst>
+          </p:cNvPr>
+          <p:cNvSpPr txBox="1"/>
+          <p:nvPr/>
+        </p:nvSpPr>
+        <p:spPr>
+          <a:xfrm>
+            <a:off x="4793884" y="6184624"/>
+            <a:ext cx="2604231" cy="523220"/>
+          </a:xfrm>
+          <a:prstGeom prst="rect">
+            <a:avLst/>
+          </a:prstGeom>
+          <a:noFill/>
+        </p:spPr>
+        <p:txBody>
+          <a:bodyPr wrap="square">
+            <a:spAutoFit/>
+          </a:bodyPr>
+          <a:lstStyle/>
+          <a:p>
+            <a:r>
+              <a:rPr lang="ko-KR" altLang="en-US" sz="2800" b="1" dirty="0"/>
+              <a:t>테이블생성</a:t>
+            </a:r>
+            <a:endParaRPr sz="2800" b="1" dirty="0"/>
+          </a:p>
+        </p:txBody>
+      </p:sp>
     </p:spTree>
     <p:extLst>
       <p:ext uri="{BB962C8B-B14F-4D97-AF65-F5344CB8AC3E}">
-        <p14:creationId xmlns:p14="http://schemas.microsoft.com/office/powerpoint/2010/main" val="823197770"/>
+        <p14:creationId xmlns:p14="http://schemas.microsoft.com/office/powerpoint/2010/main" val="2052633863"/>
       </p:ext>
     </p:extLst>
   </p:cSld>
